--- a/files/presentations/attentional blink meditation.pptx
+++ b/files/presentations/attentional blink meditation.pptx
@@ -7,20 +7,21 @@
   <p:sldIdLst>
     <p:sldId id="256" r:id="rId2"/>
     <p:sldId id="257" r:id="rId3"/>
-    <p:sldId id="258" r:id="rId4"/>
-    <p:sldId id="259" r:id="rId5"/>
-    <p:sldId id="260" r:id="rId6"/>
-    <p:sldId id="261" r:id="rId7"/>
-    <p:sldId id="265" r:id="rId8"/>
-    <p:sldId id="262" r:id="rId9"/>
-    <p:sldId id="263" r:id="rId10"/>
-    <p:sldId id="264" r:id="rId11"/>
-    <p:sldId id="266" r:id="rId12"/>
-    <p:sldId id="267" r:id="rId13"/>
-    <p:sldId id="268" r:id="rId14"/>
-    <p:sldId id="270" r:id="rId15"/>
-    <p:sldId id="271" r:id="rId16"/>
-    <p:sldId id="269" r:id="rId17"/>
+    <p:sldId id="272" r:id="rId4"/>
+    <p:sldId id="258" r:id="rId5"/>
+    <p:sldId id="259" r:id="rId6"/>
+    <p:sldId id="260" r:id="rId7"/>
+    <p:sldId id="261" r:id="rId8"/>
+    <p:sldId id="265" r:id="rId9"/>
+    <p:sldId id="262" r:id="rId10"/>
+    <p:sldId id="263" r:id="rId11"/>
+    <p:sldId id="264" r:id="rId12"/>
+    <p:sldId id="266" r:id="rId13"/>
+    <p:sldId id="267" r:id="rId14"/>
+    <p:sldId id="268" r:id="rId15"/>
+    <p:sldId id="270" r:id="rId16"/>
+    <p:sldId id="271" r:id="rId17"/>
+    <p:sldId id="269" r:id="rId18"/>
   </p:sldIdLst>
   <p:sldSz cx="12192000" cy="6858000"/>
   <p:notesSz cx="6858000" cy="9144000"/>
@@ -3192,7 +3193,7 @@
           <a:p>
             <a:r>
               <a:rPr lang="ru-RU" dirty="0" smtClean="0"/>
-              <a:t>Результаты</a:t>
+              <a:t>Испытуемые и методика</a:t>
             </a:r>
             <a:endParaRPr lang="ru-RU" dirty="0"/>
           </a:p>
@@ -3210,8 +3211,8 @@
         </p:nvSpPr>
         <p:spPr>
           <a:xfrm>
-            <a:off x="838200" y="1690688"/>
-            <a:ext cx="10040007" cy="4351338"/>
+            <a:off x="838200" y="1825625"/>
+            <a:ext cx="6697717" cy="4351338"/>
           </a:xfrm>
         </p:spPr>
         <p:txBody>
@@ -3220,29 +3221,32 @@
           <a:p>
             <a:r>
               <a:rPr lang="ru-RU" dirty="0" smtClean="0"/>
-              <a:t>17 из 17 практиков показали лучший результат </a:t>
-            </a:r>
-            <a:r>
-              <a:rPr lang="en-US" dirty="0" smtClean="0"/>
-              <a:t>p=0.029</a:t>
-            </a:r>
-          </a:p>
-          <a:p>
-            <a:r>
-              <a:rPr lang="en-US" dirty="0" smtClean="0"/>
-              <a:t>16 </a:t>
+              <a:t>17 человек до и после 3х месячного </a:t>
+            </a:r>
+            <a:r>
+              <a:rPr lang="ru-RU" dirty="0" err="1" smtClean="0"/>
+              <a:t>ретрита</a:t>
             </a:r>
             <a:r>
               <a:rPr lang="ru-RU" dirty="0" smtClean="0"/>
-              <a:t>из</a:t>
-            </a:r>
-            <a:r>
-              <a:rPr lang="en-US" dirty="0" smtClean="0"/>
               <a:t> </a:t>
             </a:r>
             <a:r>
+              <a:rPr lang="ru-RU" dirty="0" err="1" smtClean="0"/>
+              <a:t>Випассана</a:t>
+            </a:r>
+            <a:endParaRPr lang="ru-RU" dirty="0" smtClean="0"/>
+          </a:p>
+          <a:p>
+            <a:r>
               <a:rPr lang="ru-RU" dirty="0" smtClean="0"/>
-              <a:t>23 представителей контрольной группы улучшили результат</a:t>
+              <a:t>23 человека, медитировавших по 20 минут ежедневно</a:t>
+            </a:r>
+          </a:p>
+          <a:p>
+            <a:r>
+              <a:rPr lang="en-US" dirty="0"/>
+              <a:t>Barre Insight Meditation Society</a:t>
             </a:r>
             <a:endParaRPr lang="en-US" dirty="0" smtClean="0"/>
           </a:p>
@@ -3296,7 +3300,7 @@
       </p:sp>
       <p:pic>
         <p:nvPicPr>
-          <p:cNvPr id="5" name="Изображение 4"/>
+          <p:cNvPr id="4" name="Изображение 3"/>
           <p:cNvPicPr>
             <a:picLocks noChangeAspect="1"/>
           </p:cNvPicPr>
@@ -3316,8 +3320,8 @@
         </p:blipFill>
         <p:spPr>
           <a:xfrm>
-            <a:off x="1880038" y="3280737"/>
-            <a:ext cx="5118538" cy="3293205"/>
+            <a:off x="7714593" y="1539871"/>
+            <a:ext cx="4222949" cy="5318130"/>
           </a:xfrm>
           <a:prstGeom prst="rect">
             <a:avLst/>
@@ -3346,8 +3350,8 @@
         </p:blipFill>
         <p:spPr>
           <a:xfrm>
-            <a:off x="7872692" y="3016251"/>
-            <a:ext cx="2748012" cy="3841749"/>
+            <a:off x="1930838" y="4854904"/>
+            <a:ext cx="3314700" cy="1003300"/>
           </a:xfrm>
           <a:prstGeom prst="rect">
             <a:avLst/>
@@ -3357,7 +3361,7 @@
     </p:spTree>
     <p:extLst>
       <p:ext uri="{BB962C8B-B14F-4D97-AF65-F5344CB8AC3E}">
-        <p14:creationId xmlns:p14="http://schemas.microsoft.com/office/powerpoint/2010/main" val="1374487935"/>
+        <p14:creationId xmlns:p14="http://schemas.microsoft.com/office/powerpoint/2010/main" val="1598046890"/>
       </p:ext>
     </p:extLst>
   </p:cSld>
@@ -3408,7 +3412,7 @@
           <a:p>
             <a:r>
               <a:rPr lang="ru-RU" dirty="0" smtClean="0"/>
-              <a:t>Возможная интерпретация</a:t>
+              <a:t>Результаты</a:t>
             </a:r>
             <a:endParaRPr lang="ru-RU" dirty="0"/>
           </a:p>
@@ -3416,7 +3420,7 @@
       </p:sp>
       <p:sp>
         <p:nvSpPr>
-          <p:cNvPr id="4" name="Текст 3"/>
+          <p:cNvPr id="3" name="Объект 2"/>
           <p:cNvSpPr>
             <a:spLocks noGrp="1"/>
           </p:cNvSpPr>
@@ -3424,28 +3428,89 @@
             <p:ph idx="1"/>
           </p:nvPr>
         </p:nvSpPr>
-        <p:spPr/>
+        <p:spPr>
+          <a:xfrm>
+            <a:off x="838200" y="1690688"/>
+            <a:ext cx="10040007" cy="4351338"/>
+          </a:xfrm>
+        </p:spPr>
         <p:txBody>
           <a:bodyPr/>
           <a:lstStyle/>
           <a:p>
             <a:r>
               <a:rPr lang="ru-RU" dirty="0" smtClean="0"/>
-              <a:t>Эффект мигания внимания обусловлен особенностями политики распределения ресурса: на задачу распознания первой цифры уходит слишком много ресурса</a:t>
-            </a:r>
-          </a:p>
-          <a:p>
+              <a:t>17 из 17 практиков показали лучший результат </a:t>
+            </a:r>
+            <a:r>
+              <a:rPr lang="en-US" dirty="0" smtClean="0"/>
+              <a:t>p=0.029</a:t>
+            </a:r>
+          </a:p>
+          <a:p>
+            <a:r>
+              <a:rPr lang="en-US" dirty="0" smtClean="0"/>
+              <a:t>16 </a:t>
+            </a:r>
             <a:r>
               <a:rPr lang="ru-RU" dirty="0" smtClean="0"/>
-              <a:t>Медитировавшие способны распределять ресурс равномернее</a:t>
-            </a:r>
-          </a:p>
-          <a:p>
+              <a:t>из</a:t>
+            </a:r>
+            <a:r>
+              <a:rPr lang="en-US" dirty="0" smtClean="0"/>
+              <a:t> </a:t>
+            </a:r>
             <a:r>
               <a:rPr lang="ru-RU" dirty="0" smtClean="0"/>
-              <a:t>Об этом свидетельствует запись ВП</a:t>
-            </a:r>
-            <a:endParaRPr lang="ru-RU" dirty="0"/>
+              <a:t>23 представителей контрольной группы улучшили результат</a:t>
+            </a:r>
+            <a:endParaRPr lang="en-US" dirty="0" smtClean="0"/>
+          </a:p>
+        </p:txBody>
+      </p:sp>
+      <p:sp>
+        <p:nvSpPr>
+          <p:cNvPr id="6" name="Прямоугольник 5"/>
+          <p:cNvSpPr/>
+          <p:nvPr/>
+        </p:nvSpPr>
+        <p:spPr>
+          <a:xfrm>
+            <a:off x="8082455" y="5433848"/>
+            <a:ext cx="746235" cy="1140094"/>
+          </a:xfrm>
+          <a:prstGeom prst="rect">
+            <a:avLst/>
+          </a:prstGeom>
+          <a:solidFill>
+            <a:schemeClr val="bg1"/>
+          </a:solidFill>
+          <a:ln>
+            <a:noFill/>
+          </a:ln>
+        </p:spPr>
+        <p:style>
+          <a:lnRef idx="2">
+            <a:schemeClr val="accent1">
+              <a:shade val="50000"/>
+            </a:schemeClr>
+          </a:lnRef>
+          <a:fillRef idx="1">
+            <a:schemeClr val="accent1"/>
+          </a:fillRef>
+          <a:effectRef idx="0">
+            <a:schemeClr val="accent1"/>
+          </a:effectRef>
+          <a:fontRef idx="minor">
+            <a:schemeClr val="lt1"/>
+          </a:fontRef>
+        </p:style>
+        <p:txBody>
+          <a:bodyPr rtlCol="0" anchor="ctr"/>
+          <a:lstStyle/>
+          <a:p>
+            <a:pPr algn="ctr"/>
+            <a:endParaRPr lang="ru-RU"/>
           </a:p>
         </p:txBody>
       </p:sp>
@@ -3471,8 +3536,38 @@
         </p:blipFill>
         <p:spPr>
           <a:xfrm>
-            <a:off x="7567446" y="3780601"/>
-            <a:ext cx="3689133" cy="2709098"/>
+            <a:off x="1880038" y="3280737"/>
+            <a:ext cx="5118538" cy="3293205"/>
+          </a:xfrm>
+          <a:prstGeom prst="rect">
+            <a:avLst/>
+          </a:prstGeom>
+        </p:spPr>
+      </p:pic>
+      <p:pic>
+        <p:nvPicPr>
+          <p:cNvPr id="7" name="Изображение 6"/>
+          <p:cNvPicPr>
+            <a:picLocks noChangeAspect="1"/>
+          </p:cNvPicPr>
+          <p:nvPr/>
+        </p:nvPicPr>
+        <p:blipFill>
+          <a:blip r:embed="rId3">
+            <a:extLst>
+              <a:ext uri="{28A0092B-C50C-407E-A947-70E740481C1C}">
+                <a14:useLocalDpi xmlns:a14="http://schemas.microsoft.com/office/drawing/2010/main" val="0"/>
+              </a:ext>
+            </a:extLst>
+          </a:blip>
+          <a:stretch>
+            <a:fillRect/>
+          </a:stretch>
+        </p:blipFill>
+        <p:spPr>
+          <a:xfrm>
+            <a:off x="7872692" y="3016251"/>
+            <a:ext cx="2748012" cy="3841749"/>
           </a:xfrm>
           <a:prstGeom prst="rect">
             <a:avLst/>
@@ -3482,7 +3577,7 @@
     </p:spTree>
     <p:extLst>
       <p:ext uri="{BB962C8B-B14F-4D97-AF65-F5344CB8AC3E}">
-        <p14:creationId xmlns:p14="http://schemas.microsoft.com/office/powerpoint/2010/main" val="432611247"/>
+        <p14:creationId xmlns:p14="http://schemas.microsoft.com/office/powerpoint/2010/main" val="1374487935"/>
       </p:ext>
     </p:extLst>
   </p:cSld>
@@ -3518,7 +3613,30 @@
       </p:grpSpPr>
       <p:sp>
         <p:nvSpPr>
-          <p:cNvPr id="3" name="Объект 2"/>
+          <p:cNvPr id="2" name="Заголовок 1"/>
+          <p:cNvSpPr>
+            <a:spLocks noGrp="1"/>
+          </p:cNvSpPr>
+          <p:nvPr>
+            <p:ph type="title"/>
+          </p:nvPr>
+        </p:nvSpPr>
+        <p:spPr/>
+        <p:txBody>
+          <a:bodyPr/>
+          <a:lstStyle/>
+          <a:p>
+            <a:r>
+              <a:rPr lang="ru-RU" dirty="0" smtClean="0"/>
+              <a:t>Возможная интерпретация</a:t>
+            </a:r>
+            <a:endParaRPr lang="ru-RU" dirty="0"/>
+          </a:p>
+        </p:txBody>
+      </p:sp>
+      <p:sp>
+        <p:nvSpPr>
+          <p:cNvPr id="4" name="Текст 3"/>
           <p:cNvSpPr>
             <a:spLocks noGrp="1"/>
           </p:cNvSpPr>
@@ -3531,37 +3649,60 @@
           <a:bodyPr/>
           <a:lstStyle/>
           <a:p>
-            <a:pPr marL="0" indent="0">
-              <a:buNone/>
-            </a:pPr>
             <a:r>
               <a:rPr lang="ru-RU" dirty="0" smtClean="0"/>
-              <a:t>«</a:t>
-            </a:r>
-            <a:r>
-              <a:rPr lang="ru-RU" dirty="0"/>
-              <a:t>Наше исследование подтверждает идею о том, что </a:t>
-            </a:r>
+              <a:t>Эффект мигания внимания обусловлен особенностями политики распределения ресурса: на задачу распознания первой цифры уходит слишком много ресурса</a:t>
+            </a:r>
+          </a:p>
+          <a:p>
             <a:r>
               <a:rPr lang="ru-RU" dirty="0" smtClean="0"/>
-              <a:t>пластичность психических функций на уровне мозга существует </a:t>
-            </a:r>
-            <a:r>
-              <a:rPr lang="ru-RU" dirty="0"/>
-              <a:t>на протяжении всей жизни, и иллюстрирует полезность систематической психической </a:t>
-            </a:r>
+              <a:t>Медитировавшие способны распределять ресурс равномернее</a:t>
+            </a:r>
+          </a:p>
+          <a:p>
             <a:r>
               <a:rPr lang="ru-RU" dirty="0" smtClean="0"/>
-              <a:t>тренировки»</a:t>
+              <a:t>Об этом свидетельствует запись ВП</a:t>
             </a:r>
             <a:endParaRPr lang="ru-RU" dirty="0"/>
           </a:p>
         </p:txBody>
       </p:sp>
+      <p:pic>
+        <p:nvPicPr>
+          <p:cNvPr id="5" name="Изображение 4"/>
+          <p:cNvPicPr>
+            <a:picLocks noChangeAspect="1"/>
+          </p:cNvPicPr>
+          <p:nvPr/>
+        </p:nvPicPr>
+        <p:blipFill>
+          <a:blip r:embed="rId2">
+            <a:extLst>
+              <a:ext uri="{28A0092B-C50C-407E-A947-70E740481C1C}">
+                <a14:useLocalDpi xmlns:a14="http://schemas.microsoft.com/office/drawing/2010/main" val="0"/>
+              </a:ext>
+            </a:extLst>
+          </a:blip>
+          <a:stretch>
+            <a:fillRect/>
+          </a:stretch>
+        </p:blipFill>
+        <p:spPr>
+          <a:xfrm>
+            <a:off x="7567446" y="3780601"/>
+            <a:ext cx="3689133" cy="2709098"/>
+          </a:xfrm>
+          <a:prstGeom prst="rect">
+            <a:avLst/>
+          </a:prstGeom>
+        </p:spPr>
+      </p:pic>
     </p:spTree>
     <p:extLst>
       <p:ext uri="{BB962C8B-B14F-4D97-AF65-F5344CB8AC3E}">
-        <p14:creationId xmlns:p14="http://schemas.microsoft.com/office/powerpoint/2010/main" val="295077985"/>
+        <p14:creationId xmlns:p14="http://schemas.microsoft.com/office/powerpoint/2010/main" val="432611247"/>
       </p:ext>
     </p:extLst>
   </p:cSld>
@@ -3597,56 +3738,12 @@
       </p:grpSpPr>
       <p:sp>
         <p:nvSpPr>
-          <p:cNvPr id="8" name="Прямоугольник 7"/>
-          <p:cNvSpPr/>
-          <p:nvPr/>
-        </p:nvSpPr>
-        <p:spPr>
-          <a:xfrm>
-            <a:off x="0" y="0"/>
-            <a:ext cx="12192000" cy="6858000"/>
-          </a:xfrm>
-          <a:prstGeom prst="rect">
-            <a:avLst/>
-          </a:prstGeom>
-          <a:solidFill>
-            <a:srgbClr val="ECE4C4"/>
-          </a:solidFill>
-          <a:ln>
-            <a:noFill/>
-          </a:ln>
-        </p:spPr>
-        <p:style>
-          <a:lnRef idx="2">
-            <a:schemeClr val="accent1"/>
-          </a:lnRef>
-          <a:fillRef idx="1">
-            <a:schemeClr val="lt1"/>
-          </a:fillRef>
-          <a:effectRef idx="0">
-            <a:schemeClr val="accent1"/>
-          </a:effectRef>
-          <a:fontRef idx="minor">
-            <a:schemeClr val="dk1"/>
-          </a:fontRef>
-        </p:style>
-        <p:txBody>
-          <a:bodyPr rtlCol="0" anchor="ctr"/>
-          <a:lstStyle/>
-          <a:p>
-            <a:pPr algn="ctr"/>
-            <a:endParaRPr lang="ru-RU"/>
-          </a:p>
-        </p:txBody>
-      </p:sp>
-      <p:sp>
-        <p:nvSpPr>
-          <p:cNvPr id="2" name="Заголовок 1"/>
-          <p:cNvSpPr>
-            <a:spLocks noGrp="1"/>
-          </p:cNvSpPr>
-          <p:nvPr>
-            <p:ph type="title"/>
+          <p:cNvPr id="3" name="Объект 2"/>
+          <p:cNvSpPr>
+            <a:spLocks noGrp="1"/>
+          </p:cNvSpPr>
+          <p:nvPr>
+            <p:ph idx="1"/>
           </p:nvPr>
         </p:nvSpPr>
         <p:spPr/>
@@ -3654,100 +3751,37 @@
           <a:bodyPr/>
           <a:lstStyle/>
           <a:p>
-            <a:r>
-              <a:rPr lang="en-US" b="1" dirty="0" smtClean="0">
-                <a:solidFill>
-                  <a:schemeClr val="bg2">
-                    <a:lumMod val="25000"/>
-                  </a:schemeClr>
-                </a:solidFill>
-              </a:rPr>
-              <a:t>#</a:t>
-            </a:r>
-            <a:r>
-              <a:rPr lang="ru-RU" b="1" dirty="0">
-                <a:solidFill>
-                  <a:schemeClr val="bg2">
-                    <a:lumMod val="25000"/>
-                  </a:schemeClr>
-                </a:solidFill>
-              </a:rPr>
-              <a:t>3</a:t>
-            </a:r>
-            <a:r>
-              <a:rPr lang="en-US" b="1" dirty="0" smtClean="0">
-                <a:solidFill>
-                  <a:schemeClr val="bg2">
-                    <a:lumMod val="25000"/>
-                  </a:schemeClr>
-                </a:solidFill>
-              </a:rPr>
-              <a:t> </a:t>
-            </a:r>
-            <a:r>
-              <a:rPr lang="ru-RU" b="1" dirty="0" smtClean="0">
-                <a:solidFill>
-                  <a:schemeClr val="bg2">
-                    <a:lumMod val="25000"/>
-                  </a:schemeClr>
-                </a:solidFill>
-              </a:rPr>
-              <a:t>Исследование монахов</a:t>
-            </a:r>
-            <a:endParaRPr lang="ru-RU" b="1" dirty="0">
-              <a:solidFill>
-                <a:schemeClr val="bg2">
-                  <a:lumMod val="25000"/>
-                </a:schemeClr>
-              </a:solidFill>
-            </a:endParaRPr>
-          </a:p>
-        </p:txBody>
-      </p:sp>
-      <p:pic>
-        <p:nvPicPr>
-          <p:cNvPr id="4" name="Изображение 3"/>
-          <p:cNvPicPr>
-            <a:picLocks noChangeAspect="1"/>
-          </p:cNvPicPr>
-          <p:nvPr/>
-        </p:nvPicPr>
-        <p:blipFill>
-          <a:blip r:embed="rId2">
-            <a:extLst>
-              <a:ext uri="{28A0092B-C50C-407E-A947-70E740481C1C}">
-                <a14:useLocalDpi xmlns:a14="http://schemas.microsoft.com/office/drawing/2010/main" val="0"/>
-              </a:ext>
-            </a:extLst>
-          </a:blip>
-          <a:stretch>
-            <a:fillRect/>
-          </a:stretch>
-        </p:blipFill>
-        <p:spPr>
-          <a:xfrm>
-            <a:off x="2263931" y="2055813"/>
-            <a:ext cx="7570060" cy="3355636"/>
-          </a:xfrm>
-          <a:prstGeom prst="rect">
-            <a:avLst/>
-          </a:prstGeom>
-          <a:ln>
-            <a:noFill/>
-          </a:ln>
-          <a:effectLst>
-            <a:outerShdw blurRad="292100" dist="139700" dir="2700000" algn="tl" rotWithShape="0">
-              <a:srgbClr val="333333">
-                <a:alpha val="65000"/>
-              </a:srgbClr>
-            </a:outerShdw>
-          </a:effectLst>
-        </p:spPr>
-      </p:pic>
+            <a:pPr marL="0" indent="0">
+              <a:buNone/>
+            </a:pPr>
+            <a:r>
+              <a:rPr lang="ru-RU" dirty="0" smtClean="0"/>
+              <a:t>«</a:t>
+            </a:r>
+            <a:r>
+              <a:rPr lang="ru-RU" dirty="0"/>
+              <a:t>Наше исследование подтверждает идею о том, что </a:t>
+            </a:r>
+            <a:r>
+              <a:rPr lang="ru-RU" dirty="0" smtClean="0"/>
+              <a:t>пластичность психических функций на уровне мозга существует </a:t>
+            </a:r>
+            <a:r>
+              <a:rPr lang="ru-RU" dirty="0"/>
+              <a:t>на протяжении всей жизни, и иллюстрирует полезность систематической психической </a:t>
+            </a:r>
+            <a:r>
+              <a:rPr lang="ru-RU" dirty="0" smtClean="0"/>
+              <a:t>тренировки»</a:t>
+            </a:r>
+            <a:endParaRPr lang="ru-RU" dirty="0"/>
+          </a:p>
+        </p:txBody>
+      </p:sp>
     </p:spTree>
     <p:extLst>
       <p:ext uri="{BB962C8B-B14F-4D97-AF65-F5344CB8AC3E}">
-        <p14:creationId xmlns:p14="http://schemas.microsoft.com/office/powerpoint/2010/main" val="292687496"/>
+        <p14:creationId xmlns:p14="http://schemas.microsoft.com/office/powerpoint/2010/main" val="295077985"/>
       </p:ext>
     </p:extLst>
   </p:cSld>
@@ -3783,105 +3817,20 @@
       </p:grpSpPr>
       <p:sp>
         <p:nvSpPr>
-          <p:cNvPr id="2" name="Заголовок 1"/>
-          <p:cNvSpPr>
-            <a:spLocks noGrp="1"/>
-          </p:cNvSpPr>
-          <p:nvPr>
-            <p:ph type="title"/>
-          </p:nvPr>
-        </p:nvSpPr>
-        <p:spPr/>
-        <p:txBody>
-          <a:bodyPr/>
-          <a:lstStyle/>
-          <a:p>
-            <a:r>
-              <a:rPr lang="ru-RU" dirty="0" smtClean="0"/>
-              <a:t>Испытуемые и методика</a:t>
-            </a:r>
-            <a:endParaRPr lang="ru-RU" dirty="0"/>
-          </a:p>
-        </p:txBody>
-      </p:sp>
-      <p:sp>
-        <p:nvSpPr>
-          <p:cNvPr id="3" name="Объект 2"/>
-          <p:cNvSpPr>
-            <a:spLocks noGrp="1"/>
-          </p:cNvSpPr>
-          <p:nvPr>
-            <p:ph idx="1"/>
-          </p:nvPr>
-        </p:nvSpPr>
-        <p:spPr>
-          <a:xfrm>
-            <a:off x="838200" y="1825625"/>
-            <a:ext cx="10515600" cy="4351338"/>
-          </a:xfrm>
-        </p:spPr>
-        <p:txBody>
-          <a:bodyPr/>
-          <a:lstStyle/>
-          <a:p>
-            <a:r>
-              <a:rPr lang="ru-RU" dirty="0" smtClean="0"/>
-              <a:t>25 буддийских монахов</a:t>
-            </a:r>
-          </a:p>
-          <a:p>
-            <a:r>
-              <a:rPr lang="ru-RU" dirty="0" smtClean="0"/>
-              <a:t>25 </a:t>
-            </a:r>
-            <a:r>
-              <a:rPr lang="ru-RU" dirty="0" err="1" smtClean="0"/>
-              <a:t>немедитирующих</a:t>
-            </a:r>
-            <a:endParaRPr lang="ru-RU" dirty="0" smtClean="0"/>
-          </a:p>
-          <a:p>
-            <a:r>
-              <a:rPr lang="en-US" dirty="0"/>
-              <a:t>Kentucky Inventory of Mindfulness Skills (KIMS) </a:t>
-            </a:r>
-            <a:r>
-              <a:rPr lang="mr-IN" dirty="0" smtClean="0"/>
-              <a:t>–</a:t>
-            </a:r>
-            <a:r>
-              <a:rPr lang="ru-RU" dirty="0" smtClean="0"/>
-              <a:t> определение уровня осознанности</a:t>
-            </a:r>
-          </a:p>
-          <a:p>
-            <a:r>
-              <a:rPr lang="ru-RU" dirty="0" smtClean="0"/>
-              <a:t>проверялся эффект Струпа (процент ошибок)</a:t>
-            </a:r>
-            <a:endParaRPr lang="en-US" dirty="0" smtClean="0"/>
-          </a:p>
-          <a:p>
-            <a:endParaRPr lang="en-US" dirty="0" smtClean="0"/>
-          </a:p>
-        </p:txBody>
-      </p:sp>
-      <p:sp>
-        <p:nvSpPr>
-          <p:cNvPr id="6" name="Прямоугольник 5"/>
+          <p:cNvPr id="8" name="Прямоугольник 7"/>
           <p:cNvSpPr/>
           <p:nvPr/>
         </p:nvSpPr>
         <p:spPr>
           <a:xfrm>
-            <a:off x="8082455" y="5433848"/>
-            <a:ext cx="746235" cy="1140094"/>
+            <a:off x="0" y="0"/>
+            <a:ext cx="12192000" cy="6858000"/>
           </a:xfrm>
           <a:prstGeom prst="rect">
             <a:avLst/>
           </a:prstGeom>
           <a:solidFill>
-            <a:schemeClr val="bg1"/>
+            <a:srgbClr val="ECE4C4"/>
           </a:solidFill>
           <a:ln>
             <a:noFill/>
@@ -3889,18 +3838,16 @@
         </p:spPr>
         <p:style>
           <a:lnRef idx="2">
-            <a:schemeClr val="accent1">
-              <a:shade val="50000"/>
-            </a:schemeClr>
+            <a:schemeClr val="accent1"/>
           </a:lnRef>
           <a:fillRef idx="1">
-            <a:schemeClr val="accent1"/>
+            <a:schemeClr val="lt1"/>
           </a:fillRef>
           <a:effectRef idx="0">
             <a:schemeClr val="accent1"/>
           </a:effectRef>
           <a:fontRef idx="minor">
-            <a:schemeClr val="lt1"/>
+            <a:schemeClr val="dk1"/>
           </a:fontRef>
         </p:style>
         <p:txBody>
@@ -3912,10 +3859,115 @@
           </a:p>
         </p:txBody>
       </p:sp>
+      <p:sp>
+        <p:nvSpPr>
+          <p:cNvPr id="2" name="Заголовок 1"/>
+          <p:cNvSpPr>
+            <a:spLocks noGrp="1"/>
+          </p:cNvSpPr>
+          <p:nvPr>
+            <p:ph type="title"/>
+          </p:nvPr>
+        </p:nvSpPr>
+        <p:spPr/>
+        <p:txBody>
+          <a:bodyPr/>
+          <a:lstStyle/>
+          <a:p>
+            <a:r>
+              <a:rPr lang="en-US" b="1" dirty="0" smtClean="0">
+                <a:solidFill>
+                  <a:schemeClr val="bg2">
+                    <a:lumMod val="25000"/>
+                  </a:schemeClr>
+                </a:solidFill>
+              </a:rPr>
+              <a:t>#</a:t>
+            </a:r>
+            <a:r>
+              <a:rPr lang="ru-RU" b="1" dirty="0">
+                <a:solidFill>
+                  <a:schemeClr val="bg2">
+                    <a:lumMod val="25000"/>
+                  </a:schemeClr>
+                </a:solidFill>
+              </a:rPr>
+              <a:t>3</a:t>
+            </a:r>
+            <a:r>
+              <a:rPr lang="en-US" b="1" dirty="0" smtClean="0">
+                <a:solidFill>
+                  <a:schemeClr val="bg2">
+                    <a:lumMod val="25000"/>
+                  </a:schemeClr>
+                </a:solidFill>
+              </a:rPr>
+              <a:t> </a:t>
+            </a:r>
+            <a:r>
+              <a:rPr lang="ru-RU" b="1" dirty="0" smtClean="0">
+                <a:solidFill>
+                  <a:schemeClr val="bg2">
+                    <a:lumMod val="25000"/>
+                  </a:schemeClr>
+                </a:solidFill>
+              </a:rPr>
+              <a:t>Исследование монахов</a:t>
+            </a:r>
+            <a:endParaRPr lang="ru-RU" b="1" dirty="0">
+              <a:solidFill>
+                <a:schemeClr val="bg2">
+                  <a:lumMod val="25000"/>
+                </a:schemeClr>
+              </a:solidFill>
+            </a:endParaRPr>
+          </a:p>
+        </p:txBody>
+      </p:sp>
+      <p:pic>
+        <p:nvPicPr>
+          <p:cNvPr id="4" name="Изображение 3"/>
+          <p:cNvPicPr>
+            <a:picLocks noChangeAspect="1"/>
+          </p:cNvPicPr>
+          <p:nvPr/>
+        </p:nvPicPr>
+        <p:blipFill>
+          <a:blip r:embed="rId2">
+            <a:extLst>
+              <a:ext uri="{28A0092B-C50C-407E-A947-70E740481C1C}">
+                <a14:useLocalDpi xmlns:a14="http://schemas.microsoft.com/office/drawing/2010/main" val="0"/>
+              </a:ext>
+            </a:extLst>
+          </a:blip>
+          <a:stretch>
+            <a:fillRect/>
+          </a:stretch>
+        </p:blipFill>
+        <p:spPr>
+          <a:xfrm>
+            <a:off x="2263931" y="2055813"/>
+            <a:ext cx="7570060" cy="3355636"/>
+          </a:xfrm>
+          <a:prstGeom prst="rect">
+            <a:avLst/>
+          </a:prstGeom>
+          <a:ln>
+            <a:noFill/>
+          </a:ln>
+          <a:effectLst>
+            <a:outerShdw blurRad="292100" dist="139700" dir="2700000" algn="tl" rotWithShape="0">
+              <a:srgbClr val="333333">
+                <a:alpha val="65000"/>
+              </a:srgbClr>
+            </a:outerShdw>
+          </a:effectLst>
+        </p:spPr>
+      </p:pic>
     </p:spTree>
     <p:extLst>
       <p:ext uri="{BB962C8B-B14F-4D97-AF65-F5344CB8AC3E}">
-        <p14:creationId xmlns:p14="http://schemas.microsoft.com/office/powerpoint/2010/main" val="667306633"/>
+        <p14:creationId xmlns:p14="http://schemas.microsoft.com/office/powerpoint/2010/main" val="292687496"/>
       </p:ext>
     </p:extLst>
   </p:cSld>
@@ -3959,6 +4011,174 @@
             <p:ph type="title"/>
           </p:nvPr>
         </p:nvSpPr>
+        <p:spPr/>
+        <p:txBody>
+          <a:bodyPr/>
+          <a:lstStyle/>
+          <a:p>
+            <a:r>
+              <a:rPr lang="ru-RU" dirty="0" smtClean="0"/>
+              <a:t>Испытуемые и методика</a:t>
+            </a:r>
+            <a:endParaRPr lang="ru-RU" dirty="0"/>
+          </a:p>
+        </p:txBody>
+      </p:sp>
+      <p:sp>
+        <p:nvSpPr>
+          <p:cNvPr id="3" name="Объект 2"/>
+          <p:cNvSpPr>
+            <a:spLocks noGrp="1"/>
+          </p:cNvSpPr>
+          <p:nvPr>
+            <p:ph idx="1"/>
+          </p:nvPr>
+        </p:nvSpPr>
+        <p:spPr>
+          <a:xfrm>
+            <a:off x="838200" y="1825625"/>
+            <a:ext cx="10515600" cy="4351338"/>
+          </a:xfrm>
+        </p:spPr>
+        <p:txBody>
+          <a:bodyPr/>
+          <a:lstStyle/>
+          <a:p>
+            <a:r>
+              <a:rPr lang="ru-RU" dirty="0" smtClean="0"/>
+              <a:t>25 буддийских монахов</a:t>
+            </a:r>
+          </a:p>
+          <a:p>
+            <a:r>
+              <a:rPr lang="ru-RU" dirty="0" smtClean="0"/>
+              <a:t>25 </a:t>
+            </a:r>
+            <a:r>
+              <a:rPr lang="ru-RU" dirty="0" err="1" smtClean="0"/>
+              <a:t>немедитирующих</a:t>
+            </a:r>
+            <a:endParaRPr lang="ru-RU" dirty="0" smtClean="0"/>
+          </a:p>
+          <a:p>
+            <a:r>
+              <a:rPr lang="en-US" dirty="0"/>
+              <a:t>Kentucky Inventory of Mindfulness Skills (KIMS) </a:t>
+            </a:r>
+            <a:r>
+              <a:rPr lang="mr-IN" dirty="0" smtClean="0"/>
+              <a:t>–</a:t>
+            </a:r>
+            <a:r>
+              <a:rPr lang="ru-RU" dirty="0" smtClean="0"/>
+              <a:t> определение уровня осознанности</a:t>
+            </a:r>
+          </a:p>
+          <a:p>
+            <a:r>
+              <a:rPr lang="ru-RU" dirty="0" smtClean="0"/>
+              <a:t>проверялся эффект Струпа (процент ошибок)</a:t>
+            </a:r>
+            <a:endParaRPr lang="en-US" dirty="0" smtClean="0"/>
+          </a:p>
+          <a:p>
+            <a:endParaRPr lang="en-US" dirty="0" smtClean="0"/>
+          </a:p>
+        </p:txBody>
+      </p:sp>
+      <p:sp>
+        <p:nvSpPr>
+          <p:cNvPr id="6" name="Прямоугольник 5"/>
+          <p:cNvSpPr/>
+          <p:nvPr/>
+        </p:nvSpPr>
+        <p:spPr>
+          <a:xfrm>
+            <a:off x="8082455" y="5433848"/>
+            <a:ext cx="746235" cy="1140094"/>
+          </a:xfrm>
+          <a:prstGeom prst="rect">
+            <a:avLst/>
+          </a:prstGeom>
+          <a:solidFill>
+            <a:schemeClr val="bg1"/>
+          </a:solidFill>
+          <a:ln>
+            <a:noFill/>
+          </a:ln>
+        </p:spPr>
+        <p:style>
+          <a:lnRef idx="2">
+            <a:schemeClr val="accent1">
+              <a:shade val="50000"/>
+            </a:schemeClr>
+          </a:lnRef>
+          <a:fillRef idx="1">
+            <a:schemeClr val="accent1"/>
+          </a:fillRef>
+          <a:effectRef idx="0">
+            <a:schemeClr val="accent1"/>
+          </a:effectRef>
+          <a:fontRef idx="minor">
+            <a:schemeClr val="lt1"/>
+          </a:fontRef>
+        </p:style>
+        <p:txBody>
+          <a:bodyPr rtlCol="0" anchor="ctr"/>
+          <a:lstStyle/>
+          <a:p>
+            <a:pPr algn="ctr"/>
+            <a:endParaRPr lang="ru-RU"/>
+          </a:p>
+        </p:txBody>
+      </p:sp>
+    </p:spTree>
+    <p:extLst>
+      <p:ext uri="{BB962C8B-B14F-4D97-AF65-F5344CB8AC3E}">
+        <p14:creationId xmlns:p14="http://schemas.microsoft.com/office/powerpoint/2010/main" val="667306633"/>
+      </p:ext>
+    </p:extLst>
+  </p:cSld>
+  <p:clrMapOvr>
+    <a:masterClrMapping/>
+  </p:clrMapOvr>
+  <p:timing>
+    <p:tnLst>
+      <p:par>
+        <p:cTn id="1" dur="indefinite" restart="never" nodeType="tmRoot"/>
+      </p:par>
+    </p:tnLst>
+  </p:timing>
+</p:sld>
+</file>
+
+<file path=ppt/slides/slide16.xml><?xml version="1.0" encoding="utf-8"?>
+<p:sld xmlns:a="http://schemas.openxmlformats.org/drawingml/2006/main" xmlns:r="http://schemas.openxmlformats.org/officeDocument/2006/relationships" xmlns:p="http://schemas.openxmlformats.org/presentationml/2006/main">
+  <p:cSld>
+    <p:spTree>
+      <p:nvGrpSpPr>
+        <p:cNvPr id="1" name=""/>
+        <p:cNvGrpSpPr/>
+        <p:nvPr/>
+      </p:nvGrpSpPr>
+      <p:grpSpPr>
+        <a:xfrm>
+          <a:off x="0" y="0"/>
+          <a:ext cx="0" cy="0"/>
+          <a:chOff x="0" y="0"/>
+          <a:chExt cx="0" cy="0"/>
+        </a:xfrm>
+      </p:grpSpPr>
+      <p:sp>
+        <p:nvSpPr>
+          <p:cNvPr id="2" name="Заголовок 1"/>
+          <p:cNvSpPr>
+            <a:spLocks noGrp="1"/>
+          </p:cNvSpPr>
+          <p:nvPr>
+            <p:ph type="title"/>
+          </p:nvPr>
+        </p:nvSpPr>
         <p:spPr>
           <a:xfrm>
             <a:off x="1242934" y="1369107"/>
@@ -4133,7 +4353,7 @@
 </p:sld>
 </file>
 
-<file path=ppt/slides/slide16.xml><?xml version="1.0" encoding="utf-8"?>
+<file path=ppt/slides/slide17.xml><?xml version="1.0" encoding="utf-8"?>
 <p:sld xmlns:a="http://schemas.openxmlformats.org/drawingml/2006/main" xmlns:r="http://schemas.openxmlformats.org/officeDocument/2006/relationships" xmlns:p="http://schemas.openxmlformats.org/presentationml/2006/main">
   <p:cSld>
     <p:spTree>
@@ -4748,27 +4968,7 @@
                   </a:schemeClr>
                 </a:solidFill>
               </a:rPr>
-              <a:t>Пара слов о «культурной </a:t>
-            </a:r>
-            <a:r>
-              <a:rPr lang="ru-RU" b="1" dirty="0" err="1" smtClean="0">
-                <a:solidFill>
-                  <a:schemeClr val="bg2">
-                    <a:lumMod val="25000"/>
-                  </a:schemeClr>
-                </a:solidFill>
-              </a:rPr>
-              <a:t>нейронауке</a:t>
-            </a:r>
-            <a:r>
-              <a:rPr lang="ru-RU" b="1" dirty="0" smtClean="0">
-                <a:solidFill>
-                  <a:schemeClr val="bg2">
-                    <a:lumMod val="25000"/>
-                  </a:schemeClr>
-                </a:solidFill>
-              </a:rPr>
-              <a:t>»</a:t>
+              <a:t>Цели доклада</a:t>
             </a:r>
             <a:endParaRPr lang="ru-RU" b="1" dirty="0">
               <a:solidFill>
@@ -4802,147 +5002,53 @@
           <a:p>
             <a:r>
               <a:rPr lang="ru-RU" dirty="0" smtClean="0"/>
-              <a:t>Новое направление когнитивных исследований на стыке экспериментальной психологии, </a:t>
+              <a:t>Осветить основные идеи культурой </a:t>
             </a:r>
             <a:r>
               <a:rPr lang="ru-RU" dirty="0" err="1" smtClean="0"/>
-              <a:t>нейронаук</a:t>
+              <a:t>нейронауки</a:t>
             </a:r>
             <a:r>
               <a:rPr lang="ru-RU" dirty="0" smtClean="0"/>
-              <a:t>, культурной антропологии и генетики</a:t>
+              <a:t> как подхода к изучению влияния культурных практик на ВПФ</a:t>
             </a:r>
           </a:p>
           <a:p>
             <a:r>
               <a:rPr lang="ru-RU" dirty="0" smtClean="0"/>
-              <a:t>Одна из линий </a:t>
-            </a:r>
-            <a:r>
-              <a:rPr lang="mr-IN" dirty="0" smtClean="0"/>
-              <a:t>–</a:t>
-            </a:r>
-            <a:r>
-              <a:rPr lang="ru-RU" dirty="0" smtClean="0"/>
-              <a:t> изучение структурной </a:t>
-            </a:r>
-            <a:r>
-              <a:rPr lang="fr-FR" dirty="0">
-                <a:solidFill>
-                  <a:schemeClr val="bg1">
-                    <a:lumMod val="65000"/>
-                  </a:schemeClr>
-                </a:solidFill>
-              </a:rPr>
-              <a:t>(</a:t>
-            </a:r>
-            <a:r>
-              <a:rPr lang="fr-FR" dirty="0" err="1">
-                <a:solidFill>
-                  <a:schemeClr val="bg1">
-                    <a:lumMod val="65000"/>
-                  </a:schemeClr>
-                </a:solidFill>
-              </a:rPr>
-              <a:t>Maguire</a:t>
-            </a:r>
-            <a:r>
-              <a:rPr lang="fr-FR" dirty="0">
-                <a:solidFill>
-                  <a:schemeClr val="bg1">
-                    <a:lumMod val="65000"/>
-                  </a:schemeClr>
-                </a:solidFill>
-              </a:rPr>
-              <a:t> et al., 2000)</a:t>
-            </a:r>
-            <a:r>
-              <a:rPr lang="ru-RU" dirty="0" smtClean="0"/>
-              <a:t> и функциональной </a:t>
-            </a:r>
-            <a:r>
-              <a:rPr lang="en-US" dirty="0">
-                <a:solidFill>
-                  <a:schemeClr val="bg1">
-                    <a:lumMod val="65000"/>
-                  </a:schemeClr>
-                </a:solidFill>
-              </a:rPr>
-              <a:t>(</a:t>
-            </a:r>
-            <a:r>
-              <a:rPr lang="en-US" dirty="0" err="1">
-                <a:solidFill>
-                  <a:schemeClr val="bg1">
-                    <a:lumMod val="65000"/>
-                  </a:schemeClr>
-                </a:solidFill>
-              </a:rPr>
-              <a:t>Hanakawa</a:t>
-            </a:r>
-            <a:r>
-              <a:rPr lang="en-US" dirty="0">
-                <a:solidFill>
-                  <a:schemeClr val="bg1">
-                    <a:lumMod val="65000"/>
-                  </a:schemeClr>
-                </a:solidFill>
-              </a:rPr>
-              <a:t> et al., 2003</a:t>
-            </a:r>
-            <a:r>
-              <a:rPr lang="en-US" dirty="0" smtClean="0">
-                <a:solidFill>
-                  <a:schemeClr val="bg1">
-                    <a:lumMod val="65000"/>
-                  </a:schemeClr>
-                </a:solidFill>
-              </a:rPr>
-              <a:t>)</a:t>
-            </a:r>
-            <a:r>
-              <a:rPr lang="ru-RU" dirty="0" smtClean="0">
-                <a:solidFill>
-                  <a:schemeClr val="bg1">
-                    <a:lumMod val="65000"/>
-                  </a:schemeClr>
-                </a:solidFill>
+              <a:t>Показать влияние культурных практик на эффекты внимания</a:t>
+            </a:r>
+            <a:r>
+              <a:rPr lang="ru-RU" dirty="0">
+                <a:sym typeface="Wingdings"/>
               </a:rPr>
               <a:t> </a:t>
             </a:r>
             <a:r>
+              <a:rPr lang="ru-RU" dirty="0" smtClean="0">
+                <a:sym typeface="Wingdings"/>
+              </a:rPr>
+              <a:t>(эффект Струпа и эффект мигания внимания) в рассмотрении современных статей</a:t>
+            </a:r>
+            <a:endParaRPr lang="ru-RU" dirty="0" smtClean="0"/>
+          </a:p>
+          <a:p>
+            <a:r>
               <a:rPr lang="ru-RU" dirty="0" smtClean="0"/>
-              <a:t>пластичности мозга при освоении различных форм культурного опыта</a:t>
-            </a:r>
-          </a:p>
-          <a:p>
-            <a:pPr marL="0" indent="0">
-              <a:buNone/>
-            </a:pPr>
-            <a:r>
-              <a:rPr lang="ru-RU" b="1" dirty="0" smtClean="0"/>
-              <a:t>Идеи</a:t>
-            </a:r>
-          </a:p>
-          <a:p>
-            <a:r>
-              <a:rPr lang="ru-RU" dirty="0" err="1" smtClean="0"/>
-              <a:t>Нейропластичность</a:t>
+              <a:t>Осветить некоторые подходы к объяснению эффекта мигания внимания с учетом пройденного в курсе «Психология памяти и внимания» материала</a:t>
+            </a:r>
+          </a:p>
+          <a:p>
+            <a:r>
+              <a:rPr lang="en-US" dirty="0" smtClean="0"/>
+              <a:t>* </a:t>
             </a:r>
             <a:r>
               <a:rPr lang="ru-RU" dirty="0" smtClean="0"/>
-              <a:t> (ФС и опыт)</a:t>
-            </a:r>
-          </a:p>
-          <a:p>
-            <a:r>
-              <a:rPr lang="ru-RU" dirty="0" err="1" smtClean="0"/>
-              <a:t>Коэволюция</a:t>
-            </a:r>
-            <a:r>
-              <a:rPr lang="ru-RU" dirty="0" smtClean="0"/>
-              <a:t> генов и культуры</a:t>
-            </a:r>
+              <a:t>Познакомить слушателей с понятием «буддийской науки»</a:t>
+            </a:r>
+          </a:p>
+          <a:p>
             <a:endParaRPr lang="ru-RU" dirty="0"/>
           </a:p>
         </p:txBody>
@@ -5005,118 +5111,6 @@
               <a:t> М. «Культурная революция» в когнитивной науке: от нейронной пластичности до генетических механизмов приобретения культурного опыта //Культурно-историческая психология. – 2014. – Т. 10. – №. 3. – С. 4-18.</a:t>
             </a:r>
             <a:endParaRPr lang="ru-RU" sz="1100" dirty="0"/>
-          </a:p>
-        </p:txBody>
-      </p:sp>
-      <p:pic>
-        <p:nvPicPr>
-          <p:cNvPr id="5" name="Изображение 4"/>
-          <p:cNvPicPr>
-            <a:picLocks noChangeAspect="1"/>
-          </p:cNvPicPr>
-          <p:nvPr/>
-        </p:nvPicPr>
-        <p:blipFill>
-          <a:blip r:embed="rId2">
-            <a:extLst>
-              <a:ext uri="{28A0092B-C50C-407E-A947-70E740481C1C}">
-                <a14:useLocalDpi xmlns:a14="http://schemas.microsoft.com/office/drawing/2010/main" val="0"/>
-              </a:ext>
-            </a:extLst>
-          </a:blip>
-          <a:stretch>
-            <a:fillRect/>
-          </a:stretch>
-        </p:blipFill>
-        <p:spPr>
-          <a:xfrm>
-            <a:off x="8053946" y="4443601"/>
-            <a:ext cx="2159999" cy="1620868"/>
-          </a:xfrm>
-          <a:prstGeom prst="rect">
-            <a:avLst/>
-          </a:prstGeom>
-        </p:spPr>
-      </p:pic>
-      <p:pic>
-        <p:nvPicPr>
-          <p:cNvPr id="6" name="Изображение 5"/>
-          <p:cNvPicPr>
-            <a:picLocks noChangeAspect="1"/>
-          </p:cNvPicPr>
-          <p:nvPr/>
-        </p:nvPicPr>
-        <p:blipFill>
-          <a:blip r:embed="rId3">
-            <a:extLst>
-              <a:ext uri="{28A0092B-C50C-407E-A947-70E740481C1C}">
-                <a14:useLocalDpi xmlns:a14="http://schemas.microsoft.com/office/drawing/2010/main" val="0"/>
-              </a:ext>
-            </a:extLst>
-          </a:blip>
-          <a:stretch>
-            <a:fillRect/>
-          </a:stretch>
-        </p:blipFill>
-        <p:spPr>
-          <a:xfrm>
-            <a:off x="9445014" y="4443601"/>
-            <a:ext cx="2412210" cy="1868300"/>
-          </a:xfrm>
-          <a:prstGeom prst="rect">
-            <a:avLst/>
-          </a:prstGeom>
-        </p:spPr>
-      </p:pic>
-      <p:sp>
-        <p:nvSpPr>
-          <p:cNvPr id="7" name="TextBox 6"/>
-          <p:cNvSpPr txBox="1"/>
-          <p:nvPr/>
-        </p:nvSpPr>
-        <p:spPr>
-          <a:xfrm>
-            <a:off x="869730" y="365125"/>
-            <a:ext cx="3307252" cy="369332"/>
-          </a:xfrm>
-          <a:prstGeom prst="rect">
-            <a:avLst/>
-          </a:prstGeom>
-          <a:noFill/>
-        </p:spPr>
-        <p:txBody>
-          <a:bodyPr wrap="none" rtlCol="0">
-            <a:spAutoFit/>
-          </a:bodyPr>
-          <a:lstStyle/>
-          <a:p>
-            <a:r>
-              <a:rPr lang="ru-RU" dirty="0" smtClean="0">
-                <a:solidFill>
-                  <a:schemeClr val="bg2">
-                    <a:lumMod val="50000"/>
-                  </a:schemeClr>
-                </a:solidFill>
-              </a:rPr>
-              <a:t>Парадигма исследований или</a:t>
-            </a:r>
-            <a:r>
-              <a:rPr lang="mr-IN" dirty="0" smtClean="0">
-                <a:solidFill>
-                  <a:schemeClr val="bg2">
-                    <a:lumMod val="50000"/>
-                  </a:schemeClr>
-                </a:solidFill>
-              </a:rPr>
-              <a:t>…</a:t>
-            </a:r>
-            <a:endParaRPr lang="ru-RU" dirty="0">
-              <a:solidFill>
-                <a:schemeClr val="bg2">
-                  <a:lumMod val="50000"/>
-                </a:schemeClr>
-              </a:solidFill>
-            </a:endParaRPr>
           </a:p>
         </p:txBody>
       </p:sp>
@@ -5166,6 +5160,482 @@
         <p:spPr>
           <a:xfrm>
             <a:off x="0" y="0"/>
+            <a:ext cx="12192000" cy="1534510"/>
+          </a:xfrm>
+          <a:prstGeom prst="rect">
+            <a:avLst/>
+          </a:prstGeom>
+          <a:solidFill>
+            <a:srgbClr val="ECE4C4"/>
+          </a:solidFill>
+          <a:ln>
+            <a:noFill/>
+          </a:ln>
+        </p:spPr>
+        <p:style>
+          <a:lnRef idx="2">
+            <a:schemeClr val="accent1"/>
+          </a:lnRef>
+          <a:fillRef idx="1">
+            <a:schemeClr val="lt1"/>
+          </a:fillRef>
+          <a:effectRef idx="0">
+            <a:schemeClr val="accent1"/>
+          </a:effectRef>
+          <a:fontRef idx="minor">
+            <a:schemeClr val="dk1"/>
+          </a:fontRef>
+        </p:style>
+        <p:txBody>
+          <a:bodyPr rtlCol="0" anchor="ctr"/>
+          <a:lstStyle/>
+          <a:p>
+            <a:pPr algn="ctr"/>
+            <a:endParaRPr lang="ru-RU"/>
+          </a:p>
+        </p:txBody>
+      </p:sp>
+      <p:sp>
+        <p:nvSpPr>
+          <p:cNvPr id="2" name="Заголовок 1"/>
+          <p:cNvSpPr>
+            <a:spLocks noGrp="1"/>
+          </p:cNvSpPr>
+          <p:nvPr>
+            <p:ph type="title"/>
+          </p:nvPr>
+        </p:nvSpPr>
+        <p:spPr/>
+        <p:txBody>
+          <a:bodyPr/>
+          <a:lstStyle/>
+          <a:p>
+            <a:r>
+              <a:rPr lang="ru-RU" b="1" dirty="0" smtClean="0">
+                <a:solidFill>
+                  <a:schemeClr val="bg2">
+                    <a:lumMod val="25000"/>
+                  </a:schemeClr>
+                </a:solidFill>
+              </a:rPr>
+              <a:t>Пара слов о «культурной </a:t>
+            </a:r>
+            <a:r>
+              <a:rPr lang="ru-RU" b="1" dirty="0" err="1" smtClean="0">
+                <a:solidFill>
+                  <a:schemeClr val="bg2">
+                    <a:lumMod val="25000"/>
+                  </a:schemeClr>
+                </a:solidFill>
+              </a:rPr>
+              <a:t>нейронауке</a:t>
+            </a:r>
+            <a:r>
+              <a:rPr lang="ru-RU" b="1" dirty="0" smtClean="0">
+                <a:solidFill>
+                  <a:schemeClr val="bg2">
+                    <a:lumMod val="25000"/>
+                  </a:schemeClr>
+                </a:solidFill>
+              </a:rPr>
+              <a:t>»</a:t>
+            </a:r>
+            <a:endParaRPr lang="ru-RU" b="1" dirty="0">
+              <a:solidFill>
+                <a:schemeClr val="bg2">
+                  <a:lumMod val="25000"/>
+                </a:schemeClr>
+              </a:solidFill>
+            </a:endParaRPr>
+          </a:p>
+        </p:txBody>
+      </p:sp>
+      <p:sp>
+        <p:nvSpPr>
+          <p:cNvPr id="3" name="Объект 2"/>
+          <p:cNvSpPr>
+            <a:spLocks noGrp="1"/>
+          </p:cNvSpPr>
+          <p:nvPr>
+            <p:ph idx="1"/>
+          </p:nvPr>
+        </p:nvSpPr>
+        <p:spPr>
+          <a:xfrm>
+            <a:off x="838200" y="1888688"/>
+            <a:ext cx="10515600" cy="4351338"/>
+          </a:xfrm>
+        </p:spPr>
+        <p:txBody>
+          <a:bodyPr/>
+          <a:lstStyle/>
+          <a:p>
+            <a:r>
+              <a:rPr lang="ru-RU" dirty="0" smtClean="0"/>
+              <a:t>Новое направление когнитивных исследований на стыке экспериментальной психологии, </a:t>
+            </a:r>
+            <a:r>
+              <a:rPr lang="ru-RU" dirty="0" err="1" smtClean="0"/>
+              <a:t>нейронаук</a:t>
+            </a:r>
+            <a:r>
+              <a:rPr lang="ru-RU" dirty="0" smtClean="0"/>
+              <a:t>, культурной антропологии и генетики</a:t>
+            </a:r>
+          </a:p>
+          <a:p>
+            <a:r>
+              <a:rPr lang="ru-RU" dirty="0" smtClean="0"/>
+              <a:t>Одна из линий </a:t>
+            </a:r>
+            <a:r>
+              <a:rPr lang="mr-IN" dirty="0" smtClean="0"/>
+              <a:t>–</a:t>
+            </a:r>
+            <a:r>
+              <a:rPr lang="ru-RU" dirty="0" smtClean="0"/>
+              <a:t> изучение структурной </a:t>
+            </a:r>
+            <a:r>
+              <a:rPr lang="fr-FR" dirty="0">
+                <a:solidFill>
+                  <a:schemeClr val="bg1">
+                    <a:lumMod val="65000"/>
+                  </a:schemeClr>
+                </a:solidFill>
+              </a:rPr>
+              <a:t>(</a:t>
+            </a:r>
+            <a:r>
+              <a:rPr lang="fr-FR" dirty="0" err="1">
+                <a:solidFill>
+                  <a:schemeClr val="bg1">
+                    <a:lumMod val="65000"/>
+                  </a:schemeClr>
+                </a:solidFill>
+              </a:rPr>
+              <a:t>Maguire</a:t>
+            </a:r>
+            <a:r>
+              <a:rPr lang="fr-FR" dirty="0">
+                <a:solidFill>
+                  <a:schemeClr val="bg1">
+                    <a:lumMod val="65000"/>
+                  </a:schemeClr>
+                </a:solidFill>
+              </a:rPr>
+              <a:t> et al., 2000)</a:t>
+            </a:r>
+            <a:r>
+              <a:rPr lang="ru-RU" dirty="0" smtClean="0"/>
+              <a:t> и функциональной </a:t>
+            </a:r>
+            <a:r>
+              <a:rPr lang="en-US" dirty="0">
+                <a:solidFill>
+                  <a:schemeClr val="bg1">
+                    <a:lumMod val="65000"/>
+                  </a:schemeClr>
+                </a:solidFill>
+              </a:rPr>
+              <a:t>(</a:t>
+            </a:r>
+            <a:r>
+              <a:rPr lang="en-US" dirty="0" err="1">
+                <a:solidFill>
+                  <a:schemeClr val="bg1">
+                    <a:lumMod val="65000"/>
+                  </a:schemeClr>
+                </a:solidFill>
+              </a:rPr>
+              <a:t>Hanakawa</a:t>
+            </a:r>
+            <a:r>
+              <a:rPr lang="en-US" dirty="0">
+                <a:solidFill>
+                  <a:schemeClr val="bg1">
+                    <a:lumMod val="65000"/>
+                  </a:schemeClr>
+                </a:solidFill>
+              </a:rPr>
+              <a:t> et al., 2003</a:t>
+            </a:r>
+            <a:r>
+              <a:rPr lang="en-US" dirty="0" smtClean="0">
+                <a:solidFill>
+                  <a:schemeClr val="bg1">
+                    <a:lumMod val="65000"/>
+                  </a:schemeClr>
+                </a:solidFill>
+              </a:rPr>
+              <a:t>)</a:t>
+            </a:r>
+            <a:r>
+              <a:rPr lang="ru-RU" dirty="0" smtClean="0">
+                <a:solidFill>
+                  <a:schemeClr val="bg1">
+                    <a:lumMod val="65000"/>
+                  </a:schemeClr>
+                </a:solidFill>
+              </a:rPr>
+              <a:t> </a:t>
+            </a:r>
+            <a:r>
+              <a:rPr lang="ru-RU" dirty="0" smtClean="0"/>
+              <a:t>пластичности мозга при освоении различных форм культурного опыта</a:t>
+            </a:r>
+          </a:p>
+          <a:p>
+            <a:pPr marL="0" indent="0">
+              <a:buNone/>
+            </a:pPr>
+            <a:r>
+              <a:rPr lang="ru-RU" b="1" dirty="0" smtClean="0"/>
+              <a:t>Идеи</a:t>
+            </a:r>
+          </a:p>
+          <a:p>
+            <a:r>
+              <a:rPr lang="ru-RU" dirty="0" err="1" smtClean="0"/>
+              <a:t>Нейропластичность</a:t>
+            </a:r>
+            <a:r>
+              <a:rPr lang="ru-RU" dirty="0" smtClean="0"/>
+              <a:t> (ФС и опыт)</a:t>
+            </a:r>
+          </a:p>
+          <a:p>
+            <a:r>
+              <a:rPr lang="ru-RU" dirty="0" err="1" smtClean="0"/>
+              <a:t>Коэволюция</a:t>
+            </a:r>
+            <a:r>
+              <a:rPr lang="ru-RU" dirty="0" smtClean="0"/>
+              <a:t> генов и культуры</a:t>
+            </a:r>
+            <a:endParaRPr lang="ru-RU" dirty="0"/>
+          </a:p>
+        </p:txBody>
+      </p:sp>
+      <p:sp>
+        <p:nvSpPr>
+          <p:cNvPr id="4" name="Прямоугольник 3"/>
+          <p:cNvSpPr/>
+          <p:nvPr/>
+        </p:nvSpPr>
+        <p:spPr>
+          <a:xfrm>
+            <a:off x="662152" y="6311900"/>
+            <a:ext cx="10691648" cy="430887"/>
+          </a:xfrm>
+          <a:prstGeom prst="rect">
+            <a:avLst/>
+          </a:prstGeom>
+        </p:spPr>
+        <p:txBody>
+          <a:bodyPr wrap="square">
+            <a:spAutoFit/>
+          </a:bodyPr>
+          <a:lstStyle/>
+          <a:p>
+            <a:r>
+              <a:rPr lang="ru-RU" sz="1100" dirty="0" err="1">
+                <a:solidFill>
+                  <a:srgbClr val="222222"/>
+                </a:solidFill>
+                <a:latin typeface="Arial" charset="0"/>
+              </a:rPr>
+              <a:t>Фаликман</a:t>
+            </a:r>
+            <a:r>
+              <a:rPr lang="ru-RU" sz="1100" dirty="0">
+                <a:solidFill>
+                  <a:srgbClr val="222222"/>
+                </a:solidFill>
+                <a:latin typeface="Arial" charset="0"/>
+              </a:rPr>
+              <a:t> М. В., </a:t>
+            </a:r>
+            <a:r>
+              <a:rPr lang="ru-RU" sz="1100" dirty="0" err="1">
+                <a:solidFill>
+                  <a:srgbClr val="222222"/>
+                </a:solidFill>
+                <a:latin typeface="Arial" charset="0"/>
+              </a:rPr>
+              <a:t>Коул</a:t>
+            </a:r>
+            <a:r>
+              <a:rPr lang="ru-RU" sz="1100" dirty="0">
+                <a:solidFill>
+                  <a:srgbClr val="222222"/>
+                </a:solidFill>
+                <a:latin typeface="Arial" charset="0"/>
+              </a:rPr>
+              <a:t> М. «Культурная революция» в когнитивной науке: от нейронной пластичности до генетических механизмов приобретения культурного опыта //Культурно-историческая психология. – 2014. – Т. 10. – №. 3. – С. 4-18.</a:t>
+            </a:r>
+            <a:endParaRPr lang="ru-RU" sz="1100" dirty="0"/>
+          </a:p>
+        </p:txBody>
+      </p:sp>
+      <p:pic>
+        <p:nvPicPr>
+          <p:cNvPr id="5" name="Изображение 4"/>
+          <p:cNvPicPr>
+            <a:picLocks noChangeAspect="1"/>
+          </p:cNvPicPr>
+          <p:nvPr/>
+        </p:nvPicPr>
+        <p:blipFill>
+          <a:blip r:embed="rId2">
+            <a:extLst>
+              <a:ext uri="{28A0092B-C50C-407E-A947-70E740481C1C}">
+                <a14:useLocalDpi xmlns:a14="http://schemas.microsoft.com/office/drawing/2010/main" val="0"/>
+              </a:ext>
+            </a:extLst>
+          </a:blip>
+          <a:stretch>
+            <a:fillRect/>
+          </a:stretch>
+        </p:blipFill>
+        <p:spPr>
+          <a:xfrm>
+            <a:off x="8053946" y="4443601"/>
+            <a:ext cx="2159999" cy="1620868"/>
+          </a:xfrm>
+          <a:prstGeom prst="rect">
+            <a:avLst/>
+          </a:prstGeom>
+        </p:spPr>
+      </p:pic>
+      <p:pic>
+        <p:nvPicPr>
+          <p:cNvPr id="6" name="Изображение 5"/>
+          <p:cNvPicPr>
+            <a:picLocks noChangeAspect="1"/>
+          </p:cNvPicPr>
+          <p:nvPr/>
+        </p:nvPicPr>
+        <p:blipFill>
+          <a:blip r:embed="rId3">
+            <a:extLst>
+              <a:ext uri="{28A0092B-C50C-407E-A947-70E740481C1C}">
+                <a14:useLocalDpi xmlns:a14="http://schemas.microsoft.com/office/drawing/2010/main" val="0"/>
+              </a:ext>
+            </a:extLst>
+          </a:blip>
+          <a:stretch>
+            <a:fillRect/>
+          </a:stretch>
+        </p:blipFill>
+        <p:spPr>
+          <a:xfrm>
+            <a:off x="9445014" y="4443601"/>
+            <a:ext cx="2412210" cy="1868300"/>
+          </a:xfrm>
+          <a:prstGeom prst="rect">
+            <a:avLst/>
+          </a:prstGeom>
+        </p:spPr>
+      </p:pic>
+      <p:sp>
+        <p:nvSpPr>
+          <p:cNvPr id="7" name="TextBox 6"/>
+          <p:cNvSpPr txBox="1"/>
+          <p:nvPr/>
+        </p:nvSpPr>
+        <p:spPr>
+          <a:xfrm>
+            <a:off x="869730" y="365125"/>
+            <a:ext cx="3307252" cy="369332"/>
+          </a:xfrm>
+          <a:prstGeom prst="rect">
+            <a:avLst/>
+          </a:prstGeom>
+          <a:noFill/>
+        </p:spPr>
+        <p:txBody>
+          <a:bodyPr wrap="none" rtlCol="0">
+            <a:spAutoFit/>
+          </a:bodyPr>
+          <a:lstStyle/>
+          <a:p>
+            <a:r>
+              <a:rPr lang="ru-RU" dirty="0" smtClean="0">
+                <a:solidFill>
+                  <a:schemeClr val="bg2">
+                    <a:lumMod val="50000"/>
+                  </a:schemeClr>
+                </a:solidFill>
+              </a:rPr>
+              <a:t>Парадигма исследований или</a:t>
+            </a:r>
+            <a:r>
+              <a:rPr lang="mr-IN" dirty="0" smtClean="0">
+                <a:solidFill>
+                  <a:schemeClr val="bg2">
+                    <a:lumMod val="50000"/>
+                  </a:schemeClr>
+                </a:solidFill>
+              </a:rPr>
+              <a:t>…</a:t>
+            </a:r>
+            <a:endParaRPr lang="ru-RU" dirty="0">
+              <a:solidFill>
+                <a:schemeClr val="bg2">
+                  <a:lumMod val="50000"/>
+                </a:schemeClr>
+              </a:solidFill>
+            </a:endParaRPr>
+          </a:p>
+        </p:txBody>
+      </p:sp>
+    </p:spTree>
+    <p:extLst>
+      <p:ext uri="{BB962C8B-B14F-4D97-AF65-F5344CB8AC3E}">
+        <p14:creationId xmlns:p14="http://schemas.microsoft.com/office/powerpoint/2010/main" val="887972091"/>
+      </p:ext>
+    </p:extLst>
+  </p:cSld>
+  <p:clrMapOvr>
+    <a:masterClrMapping/>
+  </p:clrMapOvr>
+  <p:timing>
+    <p:tnLst>
+      <p:par>
+        <p:cTn id="1" dur="indefinite" restart="never" nodeType="tmRoot"/>
+      </p:par>
+    </p:tnLst>
+  </p:timing>
+</p:sld>
+</file>
+
+<file path=ppt/slides/slide4.xml><?xml version="1.0" encoding="utf-8"?>
+<p:sld xmlns:a="http://schemas.openxmlformats.org/drawingml/2006/main" xmlns:r="http://schemas.openxmlformats.org/officeDocument/2006/relationships" xmlns:p="http://schemas.openxmlformats.org/presentationml/2006/main">
+  <p:cSld>
+    <p:spTree>
+      <p:nvGrpSpPr>
+        <p:cNvPr id="1" name=""/>
+        <p:cNvGrpSpPr/>
+        <p:nvPr/>
+      </p:nvGrpSpPr>
+      <p:grpSpPr>
+        <a:xfrm>
+          <a:off x="0" y="0"/>
+          <a:ext cx="0" cy="0"/>
+          <a:chOff x="0" y="0"/>
+          <a:chExt cx="0" cy="0"/>
+        </a:xfrm>
+      </p:grpSpPr>
+      <p:sp>
+        <p:nvSpPr>
+          <p:cNvPr id="8" name="Прямоугольник 7"/>
+          <p:cNvSpPr/>
+          <p:nvPr/>
+        </p:nvSpPr>
+        <p:spPr>
+          <a:xfrm>
+            <a:off x="0" y="0"/>
             <a:ext cx="12192000" cy="6858000"/>
           </a:xfrm>
           <a:prstGeom prst="rect">
@@ -5316,7 +5786,7 @@
 </p:sld>
 </file>
 
-<file path=ppt/slides/slide4.xml><?xml version="1.0" encoding="utf-8"?>
+<file path=ppt/slides/slide5.xml><?xml version="1.0" encoding="utf-8"?>
 <p:sld xmlns:a="http://schemas.openxmlformats.org/drawingml/2006/main" xmlns:r="http://schemas.openxmlformats.org/officeDocument/2006/relationships" xmlns:p="http://schemas.openxmlformats.org/presentationml/2006/main">
   <p:cSld>
     <p:spTree>
@@ -5802,7 +6272,7 @@
 </p:sld>
 </file>
 
-<file path=ppt/slides/slide5.xml><?xml version="1.0" encoding="utf-8"?>
+<file path=ppt/slides/slide6.xml><?xml version="1.0" encoding="utf-8"?>
 <p:sld xmlns:a="http://schemas.openxmlformats.org/drawingml/2006/main" xmlns:r="http://schemas.openxmlformats.org/officeDocument/2006/relationships" xmlns:p="http://schemas.openxmlformats.org/presentationml/2006/main">
   <p:cSld>
     <p:spTree>
@@ -5980,274 +6450,6 @@
     <p:extLst>
       <p:ext uri="{BB962C8B-B14F-4D97-AF65-F5344CB8AC3E}">
         <p14:creationId xmlns:p14="http://schemas.microsoft.com/office/powerpoint/2010/main" val="2012151911"/>
-      </p:ext>
-    </p:extLst>
-  </p:cSld>
-  <p:clrMapOvr>
-    <a:masterClrMapping/>
-  </p:clrMapOvr>
-  <p:timing>
-    <p:tnLst>
-      <p:par>
-        <p:cTn id="1" dur="indefinite" restart="never" nodeType="tmRoot"/>
-      </p:par>
-    </p:tnLst>
-  </p:timing>
-</p:sld>
-</file>
-
-<file path=ppt/slides/slide6.xml><?xml version="1.0" encoding="utf-8"?>
-<p:sld xmlns:a="http://schemas.openxmlformats.org/drawingml/2006/main" xmlns:r="http://schemas.openxmlformats.org/officeDocument/2006/relationships" xmlns:p="http://schemas.openxmlformats.org/presentationml/2006/main">
-  <p:cSld>
-    <p:spTree>
-      <p:nvGrpSpPr>
-        <p:cNvPr id="1" name=""/>
-        <p:cNvGrpSpPr/>
-        <p:nvPr/>
-      </p:nvGrpSpPr>
-      <p:grpSpPr>
-        <a:xfrm>
-          <a:off x="0" y="0"/>
-          <a:ext cx="0" cy="0"/>
-          <a:chOff x="0" y="0"/>
-          <a:chExt cx="0" cy="0"/>
-        </a:xfrm>
-      </p:grpSpPr>
-      <p:sp>
-        <p:nvSpPr>
-          <p:cNvPr id="2" name="Заголовок 1"/>
-          <p:cNvSpPr>
-            <a:spLocks noGrp="1"/>
-          </p:cNvSpPr>
-          <p:nvPr>
-            <p:ph type="title"/>
-          </p:nvPr>
-        </p:nvSpPr>
-        <p:spPr/>
-        <p:txBody>
-          <a:bodyPr/>
-          <a:lstStyle/>
-          <a:p>
-            <a:r>
-              <a:rPr lang="ru-RU" dirty="0" smtClean="0"/>
-              <a:t>Результаты</a:t>
-            </a:r>
-            <a:endParaRPr lang="ru-RU" dirty="0"/>
-          </a:p>
-        </p:txBody>
-      </p:sp>
-      <p:sp>
-        <p:nvSpPr>
-          <p:cNvPr id="4" name="Текст 3"/>
-          <p:cNvSpPr>
-            <a:spLocks noGrp="1"/>
-          </p:cNvSpPr>
-          <p:nvPr>
-            <p:ph type="body" idx="1"/>
-          </p:nvPr>
-        </p:nvSpPr>
-        <p:spPr>
-          <a:xfrm>
-            <a:off x="839788" y="1344835"/>
-            <a:ext cx="5157787" cy="823912"/>
-          </a:xfrm>
-        </p:spPr>
-        <p:txBody>
-          <a:bodyPr/>
-          <a:lstStyle/>
-          <a:p>
-            <a:r>
-              <a:rPr lang="ru-RU" dirty="0" smtClean="0"/>
-              <a:t>Эффект Струпа</a:t>
-            </a:r>
-            <a:endParaRPr lang="ru-RU" dirty="0"/>
-          </a:p>
-        </p:txBody>
-      </p:sp>
-      <p:sp>
-        <p:nvSpPr>
-          <p:cNvPr id="10" name="Текст 9"/>
-          <p:cNvSpPr>
-            <a:spLocks noGrp="1"/>
-          </p:cNvSpPr>
-          <p:nvPr>
-            <p:ph type="body" sz="quarter" idx="3"/>
-          </p:nvPr>
-        </p:nvSpPr>
-        <p:spPr>
-          <a:xfrm>
-            <a:off x="6172200" y="1344835"/>
-            <a:ext cx="5183188" cy="823912"/>
-          </a:xfrm>
-        </p:spPr>
-        <p:txBody>
-          <a:bodyPr/>
-          <a:lstStyle/>
-          <a:p>
-            <a:r>
-              <a:rPr lang="ru-RU" dirty="0" smtClean="0"/>
-              <a:t>Мигание внимания</a:t>
-            </a:r>
-            <a:endParaRPr lang="ru-RU" dirty="0"/>
-          </a:p>
-        </p:txBody>
-      </p:sp>
-      <p:sp>
-        <p:nvSpPr>
-          <p:cNvPr id="11" name="Объект 10"/>
-          <p:cNvSpPr>
-            <a:spLocks noGrp="1"/>
-          </p:cNvSpPr>
-          <p:nvPr>
-            <p:ph sz="quarter" idx="4"/>
-          </p:nvPr>
-        </p:nvSpPr>
-        <p:spPr>
-          <a:xfrm>
-            <a:off x="6172200" y="2168747"/>
-            <a:ext cx="5183188" cy="3684588"/>
-          </a:xfrm>
-        </p:spPr>
-        <p:txBody>
-          <a:bodyPr/>
-          <a:lstStyle/>
-          <a:p>
-            <a:r>
-              <a:rPr lang="en-US" dirty="0" smtClean="0"/>
-              <a:t>short </a:t>
-            </a:r>
-            <a:r>
-              <a:rPr lang="ru-RU" dirty="0" smtClean="0"/>
-              <a:t>59</a:t>
-            </a:r>
-            <a:r>
-              <a:rPr lang="en-US" dirty="0" smtClean="0"/>
-              <a:t>% vs </a:t>
-            </a:r>
-            <a:r>
-              <a:rPr lang="ru-RU" dirty="0" smtClean="0"/>
-              <a:t>70</a:t>
-            </a:r>
-            <a:r>
-              <a:rPr lang="en-US" dirty="0" smtClean="0"/>
-              <a:t>% </a:t>
-            </a:r>
-            <a:r>
-              <a:rPr lang="ru-RU" dirty="0" smtClean="0"/>
-              <a:t>(</a:t>
-            </a:r>
-            <a:r>
-              <a:rPr lang="en-US" dirty="0" smtClean="0"/>
-              <a:t>p&lt;0.0001)</a:t>
-            </a:r>
-          </a:p>
-        </p:txBody>
-      </p:sp>
-      <p:sp>
-        <p:nvSpPr>
-          <p:cNvPr id="12" name="Объект 11"/>
-          <p:cNvSpPr>
-            <a:spLocks noGrp="1"/>
-          </p:cNvSpPr>
-          <p:nvPr>
-            <p:ph sz="half" idx="2"/>
-          </p:nvPr>
-        </p:nvSpPr>
-        <p:spPr>
-          <a:xfrm>
-            <a:off x="839788" y="2168747"/>
-            <a:ext cx="5157787" cy="3684588"/>
-          </a:xfrm>
-        </p:spPr>
-        <p:txBody>
-          <a:bodyPr/>
-          <a:lstStyle/>
-          <a:p>
-            <a:r>
-              <a:rPr lang="en-US" i="1" dirty="0" smtClean="0"/>
-              <a:t>p</a:t>
-            </a:r>
-            <a:r>
-              <a:rPr lang="en-US" dirty="0"/>
-              <a:t> &lt; 0.05, 86.5% correct responses at pre-test vs. 87.4% correct response at </a:t>
-            </a:r>
-            <a:r>
-              <a:rPr lang="en-US" dirty="0" smtClean="0"/>
-              <a:t>post-test</a:t>
-            </a:r>
-            <a:endParaRPr lang="ru-RU" dirty="0" smtClean="0"/>
-          </a:p>
-          <a:p>
-            <a:r>
-              <a:rPr lang="ru-RU" dirty="0" smtClean="0"/>
-              <a:t>нет разницы во времени </a:t>
-            </a:r>
-            <a:r>
-              <a:rPr lang="en-US" dirty="0" smtClean="0"/>
-              <a:t>R</a:t>
-            </a:r>
-            <a:endParaRPr lang="ru-RU" dirty="0"/>
-          </a:p>
-        </p:txBody>
-      </p:sp>
-      <p:pic>
-        <p:nvPicPr>
-          <p:cNvPr id="14" name="Изображение 13"/>
-          <p:cNvPicPr>
-            <a:picLocks noChangeAspect="1"/>
-          </p:cNvPicPr>
-          <p:nvPr/>
-        </p:nvPicPr>
-        <p:blipFill>
-          <a:blip r:embed="rId2">
-            <a:extLst>
-              <a:ext uri="{28A0092B-C50C-407E-A947-70E740481C1C}">
-                <a14:useLocalDpi xmlns:a14="http://schemas.microsoft.com/office/drawing/2010/main" val="0"/>
-              </a:ext>
-            </a:extLst>
-          </a:blip>
-          <a:stretch>
-            <a:fillRect/>
-          </a:stretch>
-        </p:blipFill>
-        <p:spPr>
-          <a:xfrm>
-            <a:off x="1795353" y="4210512"/>
-            <a:ext cx="2859690" cy="2189055"/>
-          </a:xfrm>
-          <a:prstGeom prst="rect">
-            <a:avLst/>
-          </a:prstGeom>
-        </p:spPr>
-      </p:pic>
-      <p:pic>
-        <p:nvPicPr>
-          <p:cNvPr id="15" name="Изображение 14"/>
-          <p:cNvPicPr>
-            <a:picLocks noChangeAspect="1"/>
-          </p:cNvPicPr>
-          <p:nvPr/>
-        </p:nvPicPr>
-        <p:blipFill>
-          <a:blip r:embed="rId3"/>
-          <a:stretch>
-            <a:fillRect/>
-          </a:stretch>
-        </p:blipFill>
-        <p:spPr>
-          <a:xfrm>
-            <a:off x="7571799" y="4039557"/>
-            <a:ext cx="2391131" cy="2360010"/>
-          </a:xfrm>
-          <a:prstGeom prst="rect">
-            <a:avLst/>
-          </a:prstGeom>
-        </p:spPr>
-      </p:pic>
-    </p:spTree>
-    <p:extLst>
-      <p:ext uri="{BB962C8B-B14F-4D97-AF65-F5344CB8AC3E}">
-        <p14:creationId xmlns:p14="http://schemas.microsoft.com/office/powerpoint/2010/main" val="848110761"/>
       </p:ext>
     </p:extLst>
   </p:cSld>
@@ -6298,7 +6500,7 @@
           <a:p>
             <a:r>
               <a:rPr lang="ru-RU" dirty="0" smtClean="0"/>
-              <a:t>Возможная интерпретация</a:t>
+              <a:t>Результаты</a:t>
             </a:r>
             <a:endParaRPr lang="ru-RU" dirty="0"/>
           </a:p>
@@ -6311,83 +6513,211 @@
             <a:spLocks noGrp="1"/>
           </p:cNvSpPr>
           <p:nvPr>
-            <p:ph idx="1"/>
-          </p:nvPr>
-        </p:nvSpPr>
-        <p:spPr/>
+            <p:ph type="body" idx="1"/>
+          </p:nvPr>
+        </p:nvSpPr>
+        <p:spPr>
+          <a:xfrm>
+            <a:off x="839788" y="1344835"/>
+            <a:ext cx="5157787" cy="823912"/>
+          </a:xfrm>
+        </p:spPr>
         <p:txBody>
           <a:bodyPr/>
           <a:lstStyle/>
           <a:p>
             <a:r>
               <a:rPr lang="ru-RU" dirty="0" smtClean="0"/>
-              <a:t>Эффект мигания внимания обусловлен паузами между отдельными актами восприятия</a:t>
-            </a:r>
-          </a:p>
+              <a:t>Эффект Струпа</a:t>
+            </a:r>
+            <a:endParaRPr lang="ru-RU" dirty="0"/>
+          </a:p>
+        </p:txBody>
+      </p:sp>
+      <p:sp>
+        <p:nvSpPr>
+          <p:cNvPr id="10" name="Текст 9"/>
+          <p:cNvSpPr>
+            <a:spLocks noGrp="1"/>
+          </p:cNvSpPr>
+          <p:nvPr>
+            <p:ph type="body" sz="quarter" idx="3"/>
+          </p:nvPr>
+        </p:nvSpPr>
+        <p:spPr>
+          <a:xfrm>
+            <a:off x="6172200" y="1344835"/>
+            <a:ext cx="5183188" cy="823912"/>
+          </a:xfrm>
+        </p:spPr>
+        <p:txBody>
+          <a:bodyPr/>
+          <a:lstStyle/>
           <a:p>
             <a:r>
               <a:rPr lang="ru-RU" dirty="0" smtClean="0"/>
-              <a:t>Медитирующие способны объединить разрозненные акты в единую деятельность</a:t>
-            </a:r>
-          </a:p>
-          <a:p>
+              <a:t>Мигание внимания</a:t>
+            </a:r>
+            <a:endParaRPr lang="ru-RU" dirty="0"/>
+          </a:p>
+        </p:txBody>
+      </p:sp>
+      <p:sp>
+        <p:nvSpPr>
+          <p:cNvPr id="11" name="Объект 10"/>
+          <p:cNvSpPr>
+            <a:spLocks noGrp="1"/>
+          </p:cNvSpPr>
+          <p:nvPr>
+            <p:ph sz="quarter" idx="4"/>
+          </p:nvPr>
+        </p:nvSpPr>
+        <p:spPr>
+          <a:xfrm>
+            <a:off x="6172200" y="2168747"/>
+            <a:ext cx="5183188" cy="3684588"/>
+          </a:xfrm>
+        </p:spPr>
+        <p:txBody>
+          <a:bodyPr/>
+          <a:lstStyle/>
+          <a:p>
+            <a:r>
+              <a:rPr lang="en-US" dirty="0" smtClean="0"/>
+              <a:t>short </a:t>
+            </a:r>
             <a:r>
               <a:rPr lang="ru-RU" dirty="0" smtClean="0"/>
-              <a:t>подобное снижение эффекта мигания внимания наблюдалось при укрупнении стимулов в осмысленные слова, и здесь прослеживаются аналогии на другом уровне</a:t>
-            </a:r>
-          </a:p>
-          <a:p>
+              <a:t>59</a:t>
+            </a:r>
+            <a:r>
+              <a:rPr lang="en-US" dirty="0" smtClean="0"/>
+              <a:t>% vs </a:t>
+            </a:r>
+            <a:r>
+              <a:rPr lang="ru-RU" dirty="0" smtClean="0"/>
+              <a:t>70</a:t>
+            </a:r>
+            <a:r>
+              <a:rPr lang="en-US" dirty="0" smtClean="0"/>
+              <a:t>% </a:t>
+            </a:r>
+            <a:r>
+              <a:rPr lang="ru-RU" dirty="0" smtClean="0"/>
+              <a:t>(</a:t>
+            </a:r>
+            <a:r>
+              <a:rPr lang="en-US" dirty="0" smtClean="0"/>
+              <a:t>p&lt;0.0001)</a:t>
+            </a:r>
+          </a:p>
+        </p:txBody>
+      </p:sp>
+      <p:sp>
+        <p:nvSpPr>
+          <p:cNvPr id="12" name="Объект 11"/>
+          <p:cNvSpPr>
+            <a:spLocks noGrp="1"/>
+          </p:cNvSpPr>
+          <p:nvPr>
+            <p:ph sz="half" idx="2"/>
+          </p:nvPr>
+        </p:nvSpPr>
+        <p:spPr>
+          <a:xfrm>
+            <a:off x="839788" y="2168747"/>
+            <a:ext cx="5157787" cy="3684588"/>
+          </a:xfrm>
+        </p:spPr>
+        <p:txBody>
+          <a:bodyPr/>
+          <a:lstStyle/>
+          <a:p>
+            <a:r>
+              <a:rPr lang="en-US" i="1" dirty="0" smtClean="0"/>
+              <a:t>p</a:t>
+            </a:r>
+            <a:r>
+              <a:rPr lang="en-US" dirty="0"/>
+              <a:t> &lt; 0.05, 86.5% correct responses at pre-test vs. 87.4% correct response at </a:t>
+            </a:r>
+            <a:r>
+              <a:rPr lang="en-US" dirty="0" smtClean="0"/>
+              <a:t>post-test</a:t>
+            </a:r>
             <a:endParaRPr lang="ru-RU" dirty="0" smtClean="0"/>
           </a:p>
-        </p:txBody>
-      </p:sp>
-      <p:sp>
-        <p:nvSpPr>
-          <p:cNvPr id="6" name="Прямоугольник 5"/>
-          <p:cNvSpPr/>
+          <a:p>
+            <a:r>
+              <a:rPr lang="ru-RU" dirty="0" smtClean="0"/>
+              <a:t>нет разницы во времени </a:t>
+            </a:r>
+            <a:r>
+              <a:rPr lang="en-US" dirty="0" smtClean="0"/>
+              <a:t>R</a:t>
+            </a:r>
+            <a:endParaRPr lang="ru-RU" dirty="0"/>
+          </a:p>
+        </p:txBody>
+      </p:sp>
+      <p:pic>
+        <p:nvPicPr>
+          <p:cNvPr id="14" name="Изображение 13"/>
+          <p:cNvPicPr>
+            <a:picLocks noChangeAspect="1"/>
+          </p:cNvPicPr>
           <p:nvPr/>
-        </p:nvSpPr>
-        <p:spPr>
-          <a:xfrm>
-            <a:off x="620109" y="6176963"/>
-            <a:ext cx="10857188" cy="261610"/>
+        </p:nvPicPr>
+        <p:blipFill>
+          <a:blip r:embed="rId2">
+            <a:extLst>
+              <a:ext uri="{28A0092B-C50C-407E-A947-70E740481C1C}">
+                <a14:useLocalDpi xmlns:a14="http://schemas.microsoft.com/office/drawing/2010/main" val="0"/>
+              </a:ext>
+            </a:extLst>
+          </a:blip>
+          <a:stretch>
+            <a:fillRect/>
+          </a:stretch>
+        </p:blipFill>
+        <p:spPr>
+          <a:xfrm>
+            <a:off x="1795353" y="4210512"/>
+            <a:ext cx="2859690" cy="2189055"/>
           </a:xfrm>
           <a:prstGeom prst="rect">
             <a:avLst/>
           </a:prstGeom>
         </p:spPr>
-        <p:txBody>
-          <a:bodyPr wrap="square">
-            <a:spAutoFit/>
-          </a:bodyPr>
-          <a:lstStyle/>
-          <a:p>
-            <a:r>
-              <a:rPr lang="ru-RU" sz="1100" dirty="0" err="1">
-                <a:solidFill>
-                  <a:srgbClr val="222222"/>
-                </a:solidFill>
-                <a:latin typeface="Arial" charset="0"/>
-              </a:rPr>
-              <a:t>Фаликман</a:t>
-            </a:r>
-            <a:r>
-              <a:rPr lang="ru-RU" sz="1100" dirty="0">
-                <a:solidFill>
-                  <a:srgbClr val="222222"/>
-                </a:solidFill>
-                <a:latin typeface="Arial" charset="0"/>
-              </a:rPr>
-              <a:t> М. В. Перцептивные единицы и языковое опосредствование зрительного внимания //Культурно-историческая психология. – 2012. – №. 3. – С. 3-11.</a:t>
-            </a:r>
-            <a:endParaRPr lang="ru-RU" sz="1100" dirty="0"/>
-          </a:p>
-        </p:txBody>
-      </p:sp>
+      </p:pic>
+      <p:pic>
+        <p:nvPicPr>
+          <p:cNvPr id="15" name="Изображение 14"/>
+          <p:cNvPicPr>
+            <a:picLocks noChangeAspect="1"/>
+          </p:cNvPicPr>
+          <p:nvPr/>
+        </p:nvPicPr>
+        <p:blipFill>
+          <a:blip r:embed="rId3"/>
+          <a:stretch>
+            <a:fillRect/>
+          </a:stretch>
+        </p:blipFill>
+        <p:spPr>
+          <a:xfrm>
+            <a:off x="7571799" y="4039557"/>
+            <a:ext cx="2391131" cy="2360010"/>
+          </a:xfrm>
+          <a:prstGeom prst="rect">
+            <a:avLst/>
+          </a:prstGeom>
+        </p:spPr>
+      </p:pic>
     </p:spTree>
     <p:extLst>
       <p:ext uri="{BB962C8B-B14F-4D97-AF65-F5344CB8AC3E}">
-        <p14:creationId xmlns:p14="http://schemas.microsoft.com/office/powerpoint/2010/main" val="1082231069"/>
+        <p14:creationId xmlns:p14="http://schemas.microsoft.com/office/powerpoint/2010/main" val="848110761"/>
       </p:ext>
     </p:extLst>
   </p:cSld>
@@ -6423,157 +6753,111 @@
       </p:grpSpPr>
       <p:sp>
         <p:nvSpPr>
-          <p:cNvPr id="8" name="Прямоугольник 7"/>
+          <p:cNvPr id="2" name="Заголовок 1"/>
+          <p:cNvSpPr>
+            <a:spLocks noGrp="1"/>
+          </p:cNvSpPr>
+          <p:nvPr>
+            <p:ph type="title"/>
+          </p:nvPr>
+        </p:nvSpPr>
+        <p:spPr/>
+        <p:txBody>
+          <a:bodyPr/>
+          <a:lstStyle/>
+          <a:p>
+            <a:r>
+              <a:rPr lang="ru-RU" dirty="0" smtClean="0"/>
+              <a:t>Возможная интерпретация</a:t>
+            </a:r>
+            <a:endParaRPr lang="ru-RU" dirty="0"/>
+          </a:p>
+        </p:txBody>
+      </p:sp>
+      <p:sp>
+        <p:nvSpPr>
+          <p:cNvPr id="4" name="Текст 3"/>
+          <p:cNvSpPr>
+            <a:spLocks noGrp="1"/>
+          </p:cNvSpPr>
+          <p:nvPr>
+            <p:ph idx="1"/>
+          </p:nvPr>
+        </p:nvSpPr>
+        <p:spPr/>
+        <p:txBody>
+          <a:bodyPr/>
+          <a:lstStyle/>
+          <a:p>
+            <a:r>
+              <a:rPr lang="ru-RU" dirty="0" smtClean="0"/>
+              <a:t>Эффект мигания внимания обусловлен паузами между отдельными актами восприятия</a:t>
+            </a:r>
+          </a:p>
+          <a:p>
+            <a:r>
+              <a:rPr lang="ru-RU" dirty="0" smtClean="0"/>
+              <a:t>Медитирующие способны объединить разрозненные акты в единую деятельность</a:t>
+            </a:r>
+          </a:p>
+          <a:p>
+            <a:r>
+              <a:rPr lang="ru-RU" dirty="0" smtClean="0"/>
+              <a:t>подобное снижение эффекта мигания внимания наблюдалось при укрупнении стимулов в осмысленные слова, и здесь прослеживаются аналогии на другом уровне</a:t>
+            </a:r>
+          </a:p>
+          <a:p>
+            <a:endParaRPr lang="ru-RU" dirty="0" smtClean="0"/>
+          </a:p>
+        </p:txBody>
+      </p:sp>
+      <p:sp>
+        <p:nvSpPr>
+          <p:cNvPr id="6" name="Прямоугольник 5"/>
           <p:cNvSpPr/>
           <p:nvPr/>
         </p:nvSpPr>
         <p:spPr>
           <a:xfrm>
-            <a:off x="0" y="0"/>
-            <a:ext cx="12192000" cy="6858000"/>
+            <a:off x="620109" y="6176963"/>
+            <a:ext cx="10857188" cy="261610"/>
           </a:xfrm>
           <a:prstGeom prst="rect">
             <a:avLst/>
           </a:prstGeom>
-          <a:solidFill>
-            <a:srgbClr val="ECE4C4"/>
-          </a:solidFill>
-          <a:ln>
-            <a:noFill/>
-          </a:ln>
-        </p:spPr>
-        <p:style>
-          <a:lnRef idx="2">
-            <a:schemeClr val="accent1"/>
-          </a:lnRef>
-          <a:fillRef idx="1">
-            <a:schemeClr val="lt1"/>
-          </a:fillRef>
-          <a:effectRef idx="0">
-            <a:schemeClr val="accent1"/>
-          </a:effectRef>
-          <a:fontRef idx="minor">
-            <a:schemeClr val="dk1"/>
-          </a:fontRef>
-        </p:style>
-        <p:txBody>
-          <a:bodyPr rtlCol="0" anchor="ctr"/>
-          <a:lstStyle/>
-          <a:p>
-            <a:pPr algn="ctr"/>
-            <a:endParaRPr lang="ru-RU"/>
-          </a:p>
-        </p:txBody>
-      </p:sp>
-      <p:sp>
-        <p:nvSpPr>
-          <p:cNvPr id="2" name="Заголовок 1"/>
-          <p:cNvSpPr>
-            <a:spLocks noGrp="1"/>
-          </p:cNvSpPr>
-          <p:nvPr>
-            <p:ph type="title"/>
-          </p:nvPr>
-        </p:nvSpPr>
-        <p:spPr/>
-        <p:txBody>
-          <a:bodyPr/>
-          <a:lstStyle/>
-          <a:p>
-            <a:r>
-              <a:rPr lang="en-US" b="1" dirty="0" smtClean="0">
+        </p:spPr>
+        <p:txBody>
+          <a:bodyPr wrap="square">
+            <a:spAutoFit/>
+          </a:bodyPr>
+          <a:lstStyle/>
+          <a:p>
+            <a:r>
+              <a:rPr lang="ru-RU" sz="1100" dirty="0" err="1">
                 <a:solidFill>
-                  <a:schemeClr val="bg2">
-                    <a:lumMod val="25000"/>
-                  </a:schemeClr>
+                  <a:srgbClr val="222222"/>
                 </a:solidFill>
+                <a:latin typeface="Arial" charset="0"/>
               </a:rPr>
-              <a:t>#</a:t>
-            </a:r>
-            <a:r>
-              <a:rPr lang="ru-RU" b="1" dirty="0" smtClean="0">
+              <a:t>Фаликман</a:t>
+            </a:r>
+            <a:r>
+              <a:rPr lang="ru-RU" sz="1100" dirty="0">
                 <a:solidFill>
-                  <a:schemeClr val="bg2">
-                    <a:lumMod val="25000"/>
-                  </a:schemeClr>
+                  <a:srgbClr val="222222"/>
                 </a:solidFill>
+                <a:latin typeface="Arial" charset="0"/>
               </a:rPr>
-              <a:t>2</a:t>
-            </a:r>
-            <a:r>
-              <a:rPr lang="en-US" b="1" dirty="0" smtClean="0">
-                <a:solidFill>
-                  <a:schemeClr val="bg2">
-                    <a:lumMod val="25000"/>
-                  </a:schemeClr>
-                </a:solidFill>
-              </a:rPr>
-              <a:t> </a:t>
-            </a:r>
-            <a:r>
-              <a:rPr lang="ru-RU" b="1" dirty="0" smtClean="0">
-                <a:solidFill>
-                  <a:schemeClr val="bg2">
-                    <a:lumMod val="25000"/>
-                  </a:schemeClr>
-                </a:solidFill>
-              </a:rPr>
-              <a:t>Распределение ресурсов</a:t>
-            </a:r>
-            <a:endParaRPr lang="ru-RU" b="1" dirty="0">
-              <a:solidFill>
-                <a:schemeClr val="bg2">
-                  <a:lumMod val="25000"/>
-                </a:schemeClr>
-              </a:solidFill>
-            </a:endParaRPr>
-          </a:p>
-        </p:txBody>
-      </p:sp>
-      <p:pic>
-        <p:nvPicPr>
-          <p:cNvPr id="3" name="Изображение 2"/>
-          <p:cNvPicPr>
-            <a:picLocks noChangeAspect="1"/>
-          </p:cNvPicPr>
-          <p:nvPr/>
-        </p:nvPicPr>
-        <p:blipFill>
-          <a:blip r:embed="rId2">
-            <a:extLst>
-              <a:ext uri="{28A0092B-C50C-407E-A947-70E740481C1C}">
-                <a14:useLocalDpi xmlns:a14="http://schemas.microsoft.com/office/drawing/2010/main" val="0"/>
-              </a:ext>
-            </a:extLst>
-          </a:blip>
-          <a:stretch>
-            <a:fillRect/>
-          </a:stretch>
-        </p:blipFill>
-        <p:spPr>
-          <a:xfrm>
-            <a:off x="1243724" y="2619265"/>
-            <a:ext cx="9347200" cy="1943100"/>
-          </a:xfrm>
-          <a:prstGeom prst="rect">
-            <a:avLst/>
-          </a:prstGeom>
-          <a:ln>
-            <a:noFill/>
-          </a:ln>
-          <a:effectLst>
-            <a:outerShdw blurRad="292100" dist="139700" dir="2700000" algn="tl" rotWithShape="0">
-              <a:srgbClr val="333333">
-                <a:alpha val="65000"/>
-              </a:srgbClr>
-            </a:outerShdw>
-          </a:effectLst>
-        </p:spPr>
-      </p:pic>
+              <a:t> М. В. Перцептивные единицы и языковое опосредствование зрительного внимания //Культурно-историческая психология. – 2012. – №. 3. – С. 3-11.</a:t>
+            </a:r>
+            <a:endParaRPr lang="ru-RU" sz="1100" dirty="0"/>
+          </a:p>
+        </p:txBody>
+      </p:sp>
     </p:spTree>
     <p:extLst>
       <p:ext uri="{BB962C8B-B14F-4D97-AF65-F5344CB8AC3E}">
-        <p14:creationId xmlns:p14="http://schemas.microsoft.com/office/powerpoint/2010/main" val="1254959375"/>
+        <p14:creationId xmlns:p14="http://schemas.microsoft.com/office/powerpoint/2010/main" val="1082231069"/>
       </p:ext>
     </p:extLst>
   </p:cSld>
@@ -6609,96 +6893,20 @@
       </p:grpSpPr>
       <p:sp>
         <p:nvSpPr>
-          <p:cNvPr id="2" name="Заголовок 1"/>
-          <p:cNvSpPr>
-            <a:spLocks noGrp="1"/>
-          </p:cNvSpPr>
-          <p:nvPr>
-            <p:ph type="title"/>
-          </p:nvPr>
-        </p:nvSpPr>
-        <p:spPr/>
-        <p:txBody>
-          <a:bodyPr/>
-          <a:lstStyle/>
-          <a:p>
-            <a:r>
-              <a:rPr lang="ru-RU" dirty="0" smtClean="0"/>
-              <a:t>Испытуемые и методика</a:t>
-            </a:r>
-            <a:endParaRPr lang="ru-RU" dirty="0"/>
-          </a:p>
-        </p:txBody>
-      </p:sp>
-      <p:sp>
-        <p:nvSpPr>
-          <p:cNvPr id="3" name="Объект 2"/>
-          <p:cNvSpPr>
-            <a:spLocks noGrp="1"/>
-          </p:cNvSpPr>
-          <p:nvPr>
-            <p:ph idx="1"/>
-          </p:nvPr>
-        </p:nvSpPr>
-        <p:spPr>
-          <a:xfrm>
-            <a:off x="838200" y="1825625"/>
-            <a:ext cx="6697717" cy="4351338"/>
-          </a:xfrm>
-        </p:spPr>
-        <p:txBody>
-          <a:bodyPr/>
-          <a:lstStyle/>
-          <a:p>
-            <a:r>
-              <a:rPr lang="ru-RU" dirty="0" smtClean="0"/>
-              <a:t>17 человек до и после 3х месячного </a:t>
-            </a:r>
-            <a:r>
-              <a:rPr lang="ru-RU" dirty="0" err="1" smtClean="0"/>
-              <a:t>ретрита</a:t>
-            </a:r>
-            <a:r>
-              <a:rPr lang="ru-RU" dirty="0" smtClean="0"/>
-              <a:t> </a:t>
-            </a:r>
-            <a:r>
-              <a:rPr lang="ru-RU" dirty="0" err="1" smtClean="0"/>
-              <a:t>Випассана</a:t>
-            </a:r>
-            <a:endParaRPr lang="ru-RU" dirty="0" smtClean="0"/>
-          </a:p>
-          <a:p>
-            <a:r>
-              <a:rPr lang="ru-RU" dirty="0" smtClean="0"/>
-              <a:t>23 человека, медитировавших по 20 минут ежедневно</a:t>
-            </a:r>
-          </a:p>
-          <a:p>
-            <a:r>
-              <a:rPr lang="en-US" dirty="0"/>
-              <a:t>Barre Insight Meditation Society</a:t>
-            </a:r>
-            <a:endParaRPr lang="en-US" dirty="0" smtClean="0"/>
-          </a:p>
-        </p:txBody>
-      </p:sp>
-      <p:sp>
-        <p:nvSpPr>
-          <p:cNvPr id="6" name="Прямоугольник 5"/>
+          <p:cNvPr id="8" name="Прямоугольник 7"/>
           <p:cNvSpPr/>
           <p:nvPr/>
         </p:nvSpPr>
         <p:spPr>
           <a:xfrm>
-            <a:off x="8082455" y="5433848"/>
-            <a:ext cx="746235" cy="1140094"/>
+            <a:off x="0" y="0"/>
+            <a:ext cx="12192000" cy="6858000"/>
           </a:xfrm>
           <a:prstGeom prst="rect">
             <a:avLst/>
           </a:prstGeom>
           <a:solidFill>
-            <a:schemeClr val="bg1"/>
+            <a:srgbClr val="ECE4C4"/>
           </a:solidFill>
           <a:ln>
             <a:noFill/>
@@ -6706,18 +6914,16 @@
         </p:spPr>
         <p:style>
           <a:lnRef idx="2">
-            <a:schemeClr val="accent1">
-              <a:shade val="50000"/>
-            </a:schemeClr>
+            <a:schemeClr val="accent1"/>
           </a:lnRef>
           <a:fillRef idx="1">
-            <a:schemeClr val="accent1"/>
+            <a:schemeClr val="lt1"/>
           </a:fillRef>
           <a:effectRef idx="0">
             <a:schemeClr val="accent1"/>
           </a:effectRef>
           <a:fontRef idx="minor">
-            <a:schemeClr val="lt1"/>
+            <a:schemeClr val="dk1"/>
           </a:fontRef>
         </p:style>
         <p:txBody>
@@ -6729,9 +6935,74 @@
           </a:p>
         </p:txBody>
       </p:sp>
+      <p:sp>
+        <p:nvSpPr>
+          <p:cNvPr id="2" name="Заголовок 1"/>
+          <p:cNvSpPr>
+            <a:spLocks noGrp="1"/>
+          </p:cNvSpPr>
+          <p:nvPr>
+            <p:ph type="title"/>
+          </p:nvPr>
+        </p:nvSpPr>
+        <p:spPr/>
+        <p:txBody>
+          <a:bodyPr/>
+          <a:lstStyle/>
+          <a:p>
+            <a:r>
+              <a:rPr lang="en-US" b="1" dirty="0" smtClean="0">
+                <a:solidFill>
+                  <a:schemeClr val="bg2">
+                    <a:lumMod val="25000"/>
+                  </a:schemeClr>
+                </a:solidFill>
+              </a:rPr>
+              <a:t>#</a:t>
+            </a:r>
+            <a:r>
+              <a:rPr lang="ru-RU" b="1" dirty="0" smtClean="0">
+                <a:solidFill>
+                  <a:schemeClr val="bg2">
+                    <a:lumMod val="25000"/>
+                  </a:schemeClr>
+                </a:solidFill>
+              </a:rPr>
+              <a:t>2</a:t>
+            </a:r>
+            <a:r>
+              <a:rPr lang="en-US" b="1" dirty="0" smtClean="0">
+                <a:solidFill>
+                  <a:schemeClr val="bg2">
+                    <a:lumMod val="25000"/>
+                  </a:schemeClr>
+                </a:solidFill>
+              </a:rPr>
+              <a:t> </a:t>
+            </a:r>
+            <a:r>
+              <a:rPr lang="ru-RU" b="1" dirty="0" smtClean="0">
+                <a:solidFill>
+                  <a:schemeClr val="bg2">
+                    <a:lumMod val="25000"/>
+                  </a:schemeClr>
+                </a:solidFill>
+              </a:rPr>
+              <a:t>Распределение ресурсов</a:t>
+            </a:r>
+            <a:endParaRPr lang="ru-RU" b="1" dirty="0">
+              <a:solidFill>
+                <a:schemeClr val="bg2">
+                  <a:lumMod val="25000"/>
+                </a:schemeClr>
+              </a:solidFill>
+            </a:endParaRPr>
+          </a:p>
+        </p:txBody>
+      </p:sp>
       <p:pic>
         <p:nvPicPr>
-          <p:cNvPr id="4" name="Изображение 3"/>
+          <p:cNvPr id="3" name="Изображение 2"/>
           <p:cNvPicPr>
             <a:picLocks noChangeAspect="1"/>
           </p:cNvPicPr>
@@ -6751,48 +7022,28 @@
         </p:blipFill>
         <p:spPr>
           <a:xfrm>
-            <a:off x="7714593" y="1539871"/>
-            <a:ext cx="4222949" cy="5318130"/>
+            <a:off x="1243724" y="2619265"/>
+            <a:ext cx="9347200" cy="1943100"/>
           </a:xfrm>
           <a:prstGeom prst="rect">
             <a:avLst/>
           </a:prstGeom>
-        </p:spPr>
-      </p:pic>
-      <p:pic>
-        <p:nvPicPr>
-          <p:cNvPr id="7" name="Изображение 6"/>
-          <p:cNvPicPr>
-            <a:picLocks noChangeAspect="1"/>
-          </p:cNvPicPr>
-          <p:nvPr/>
-        </p:nvPicPr>
-        <p:blipFill>
-          <a:blip r:embed="rId3">
-            <a:extLst>
-              <a:ext uri="{28A0092B-C50C-407E-A947-70E740481C1C}">
-                <a14:useLocalDpi xmlns:a14="http://schemas.microsoft.com/office/drawing/2010/main" val="0"/>
-              </a:ext>
-            </a:extLst>
-          </a:blip>
-          <a:stretch>
-            <a:fillRect/>
-          </a:stretch>
-        </p:blipFill>
-        <p:spPr>
-          <a:xfrm>
-            <a:off x="1930838" y="4854904"/>
-            <a:ext cx="3314700" cy="1003300"/>
-          </a:xfrm>
-          <a:prstGeom prst="rect">
-            <a:avLst/>
-          </a:prstGeom>
+          <a:ln>
+            <a:noFill/>
+          </a:ln>
+          <a:effectLst>
+            <a:outerShdw blurRad="292100" dist="139700" dir="2700000" algn="tl" rotWithShape="0">
+              <a:srgbClr val="333333">
+                <a:alpha val="65000"/>
+              </a:srgbClr>
+            </a:outerShdw>
+          </a:effectLst>
         </p:spPr>
       </p:pic>
     </p:spTree>
     <p:extLst>
       <p:ext uri="{BB962C8B-B14F-4D97-AF65-F5344CB8AC3E}">
-        <p14:creationId xmlns:p14="http://schemas.microsoft.com/office/powerpoint/2010/main" val="1598046890"/>
+        <p14:creationId xmlns:p14="http://schemas.microsoft.com/office/powerpoint/2010/main" val="1254959375"/>
       </p:ext>
     </p:extLst>
   </p:cSld>
